--- a/Presentation Du HTML5 .pptx
+++ b/Presentation Du HTML5 .pptx
@@ -8,6 +8,7 @@
     <p:sldId id="256" r:id="rId2"/>
     <p:sldId id="257" r:id="rId3"/>
     <p:sldId id="258" r:id="rId4"/>
+    <p:sldId id="259" r:id="rId5"/>
   </p:sldIdLst>
   <p:sldSz cx="12192000" cy="6858000"/>
   <p:notesSz cx="6858000" cy="9144000"/>
@@ -106,6 +107,11 @@
       </a:defRPr>
     </a:lvl9pPr>
   </p:defaultTextStyle>
+  <p:extLst>
+    <p:ext uri="{EFAFB233-063F-42B5-8137-9DF3F51BA10A}">
+      <p15:sldGuideLst xmlns:p15="http://schemas.microsoft.com/office/powerpoint/2012/main"/>
+    </p:ext>
+  </p:extLst>
 </p:presentation>
 </file>
 
@@ -240,7 +246,7 @@
           <a:p>
             <a:fld id="{D2BFFA84-0004-4E12-8F5A-7C8BBC672390}" type="datetimeFigureOut">
               <a:rPr lang="en-US" smtClean="0"/>
-              <a:t>12/6/2015</a:t>
+              <a:t>12/12/2015</a:t>
             </a:fld>
             <a:endParaRPr lang="en-US"/>
           </a:p>
@@ -410,7 +416,7 @@
           <a:p>
             <a:fld id="{D2BFFA84-0004-4E12-8F5A-7C8BBC672390}" type="datetimeFigureOut">
               <a:rPr lang="en-US" smtClean="0"/>
-              <a:t>12/6/2015</a:t>
+              <a:t>12/12/2015</a:t>
             </a:fld>
             <a:endParaRPr lang="en-US"/>
           </a:p>
@@ -590,7 +596,7 @@
           <a:p>
             <a:fld id="{D2BFFA84-0004-4E12-8F5A-7C8BBC672390}" type="datetimeFigureOut">
               <a:rPr lang="en-US" smtClean="0"/>
-              <a:t>12/6/2015</a:t>
+              <a:t>12/12/2015</a:t>
             </a:fld>
             <a:endParaRPr lang="en-US"/>
           </a:p>
@@ -760,7 +766,7 @@
           <a:p>
             <a:fld id="{D2BFFA84-0004-4E12-8F5A-7C8BBC672390}" type="datetimeFigureOut">
               <a:rPr lang="en-US" smtClean="0"/>
-              <a:t>12/6/2015</a:t>
+              <a:t>12/12/2015</a:t>
             </a:fld>
             <a:endParaRPr lang="en-US"/>
           </a:p>
@@ -1006,7 +1012,7 @@
           <a:p>
             <a:fld id="{D2BFFA84-0004-4E12-8F5A-7C8BBC672390}" type="datetimeFigureOut">
               <a:rPr lang="en-US" smtClean="0"/>
-              <a:t>12/6/2015</a:t>
+              <a:t>12/12/2015</a:t>
             </a:fld>
             <a:endParaRPr lang="en-US"/>
           </a:p>
@@ -1238,7 +1244,7 @@
           <a:p>
             <a:fld id="{D2BFFA84-0004-4E12-8F5A-7C8BBC672390}" type="datetimeFigureOut">
               <a:rPr lang="en-US" smtClean="0"/>
-              <a:t>12/6/2015</a:t>
+              <a:t>12/12/2015</a:t>
             </a:fld>
             <a:endParaRPr lang="en-US"/>
           </a:p>
@@ -1605,7 +1611,7 @@
           <a:p>
             <a:fld id="{D2BFFA84-0004-4E12-8F5A-7C8BBC672390}" type="datetimeFigureOut">
               <a:rPr lang="en-US" smtClean="0"/>
-              <a:t>12/6/2015</a:t>
+              <a:t>12/12/2015</a:t>
             </a:fld>
             <a:endParaRPr lang="en-US"/>
           </a:p>
@@ -1723,7 +1729,7 @@
           <a:p>
             <a:fld id="{D2BFFA84-0004-4E12-8F5A-7C8BBC672390}" type="datetimeFigureOut">
               <a:rPr lang="en-US" smtClean="0"/>
-              <a:t>12/6/2015</a:t>
+              <a:t>12/12/2015</a:t>
             </a:fld>
             <a:endParaRPr lang="en-US"/>
           </a:p>
@@ -1818,7 +1824,7 @@
           <a:p>
             <a:fld id="{D2BFFA84-0004-4E12-8F5A-7C8BBC672390}" type="datetimeFigureOut">
               <a:rPr lang="en-US" smtClean="0"/>
-              <a:t>12/6/2015</a:t>
+              <a:t>12/12/2015</a:t>
             </a:fld>
             <a:endParaRPr lang="en-US"/>
           </a:p>
@@ -2095,7 +2101,7 @@
           <a:p>
             <a:fld id="{D2BFFA84-0004-4E12-8F5A-7C8BBC672390}" type="datetimeFigureOut">
               <a:rPr lang="en-US" smtClean="0"/>
-              <a:t>12/6/2015</a:t>
+              <a:t>12/12/2015</a:t>
             </a:fld>
             <a:endParaRPr lang="en-US"/>
           </a:p>
@@ -2348,7 +2354,7 @@
           <a:p>
             <a:fld id="{D2BFFA84-0004-4E12-8F5A-7C8BBC672390}" type="datetimeFigureOut">
               <a:rPr lang="en-US" smtClean="0"/>
-              <a:t>12/6/2015</a:t>
+              <a:t>12/12/2015</a:t>
             </a:fld>
             <a:endParaRPr lang="en-US"/>
           </a:p>
@@ -2561,7 +2567,7 @@
           <a:p>
             <a:fld id="{D2BFFA84-0004-4E12-8F5A-7C8BBC672390}" type="datetimeFigureOut">
               <a:rPr lang="en-US" smtClean="0"/>
-              <a:t>12/6/2015</a:t>
+              <a:t>12/12/2015</a:t>
             </a:fld>
             <a:endParaRPr lang="en-US"/>
           </a:p>
@@ -3075,14 +3081,14 @@
           <a:lstStyle/>
           <a:p>
             <a:r>
-              <a:rPr lang="fr-FR" dirty="0" smtClean="0"/>
+              <a:rPr lang="fr-FR" u="sng" dirty="0" smtClean="0"/>
               <a:t>Le </a:t>
             </a:r>
             <a:r>
-              <a:rPr lang="fr-FR" dirty="0" err="1" smtClean="0"/>
+              <a:rPr lang="fr-FR" u="sng" dirty="0" err="1" smtClean="0"/>
               <a:t>Doctype</a:t>
             </a:r>
-            <a:endParaRPr lang="fr-FR" dirty="0"/>
+            <a:endParaRPr lang="fr-FR" u="sng" dirty="0"/>
           </a:p>
         </p:txBody>
       </p:sp>
@@ -3201,7 +3207,7 @@
               <a:t>Dans html5 le </a:t>
             </a:r>
             <a:r>
-              <a:rPr lang="fr-FR" sz="2400" b="1" smtClean="0">
+              <a:rPr lang="fr-FR" sz="2400" b="1" dirty="0" err="1" smtClean="0">
                 <a:cs typeface="Times New Roman" panose="02020603050405020304" pitchFamily="18" charset="0"/>
               </a:rPr>
               <a:t>Doctype</a:t>
@@ -3282,7 +3288,11 @@
           <a:bodyPr/>
           <a:lstStyle/>
           <a:p>
-            <a:endParaRPr lang="fr-FR"/>
+            <a:r>
+              <a:rPr lang="fr-FR" u="sng" dirty="0" smtClean="0"/>
+              <a:t>Les Figures</a:t>
+            </a:r>
+            <a:endParaRPr lang="fr-FR" u="sng" dirty="0"/>
           </a:p>
         </p:txBody>
       </p:sp>
@@ -3298,10 +3308,197 @@
         </p:nvSpPr>
         <p:spPr/>
         <p:txBody>
-          <a:bodyPr/>
-          <a:lstStyle/>
-          <a:p>
-            <a:endParaRPr lang="fr-FR"/>
+          <a:bodyPr>
+            <a:normAutofit fontScale="92500" lnSpcReduction="20000"/>
+          </a:bodyPr>
+          <a:lstStyle/>
+          <a:p>
+            <a:r>
+              <a:rPr lang="fr-FR" dirty="0" smtClean="0"/>
+              <a:t>Dans Html4 il étais impossible de mètre un titre pour un image sans l’</a:t>
+            </a:r>
+            <a:r>
+              <a:rPr lang="fr-FR" dirty="0" err="1" smtClean="0"/>
+              <a:t>itulisation</a:t>
+            </a:r>
+            <a:r>
+              <a:rPr lang="fr-FR" dirty="0" smtClean="0"/>
+              <a:t> des </a:t>
+            </a:r>
+            <a:r>
+              <a:rPr lang="fr-FR" dirty="0" err="1" smtClean="0"/>
+              <a:t>span</a:t>
+            </a:r>
+            <a:r>
+              <a:rPr lang="fr-FR" dirty="0" smtClean="0"/>
+              <a:t> ou div avec l’image en mettre les styles pour que la </a:t>
+            </a:r>
+            <a:r>
+              <a:rPr lang="fr-FR" dirty="0" err="1" smtClean="0"/>
+              <a:t>caption</a:t>
+            </a:r>
+            <a:r>
+              <a:rPr lang="fr-FR" dirty="0" smtClean="0"/>
+              <a:t> vient au dessus d’image </a:t>
+            </a:r>
+          </a:p>
+          <a:p>
+            <a:r>
+              <a:rPr lang="fr-FR" dirty="0" smtClean="0"/>
+              <a:t>Mais dans HTML5 le balise </a:t>
+            </a:r>
+            <a:r>
+              <a:rPr lang="fr-FR" b="1" dirty="0" smtClean="0"/>
+              <a:t>FIGURE </a:t>
+            </a:r>
+          </a:p>
+          <a:p>
+            <a:pPr marL="0" indent="0">
+              <a:buNone/>
+            </a:pPr>
+            <a:r>
+              <a:rPr lang="en-US" b="1" dirty="0" smtClean="0"/>
+              <a:t>&lt;figure&gt;</a:t>
+            </a:r>
+          </a:p>
+          <a:p>
+            <a:pPr marL="0" indent="0">
+              <a:buNone/>
+            </a:pPr>
+            <a:r>
+              <a:rPr lang="en-US" b="1" dirty="0" smtClean="0"/>
+              <a:t>    &lt;</a:t>
+            </a:r>
+            <a:r>
+              <a:rPr lang="en-US" b="1" dirty="0" err="1" smtClean="0"/>
+              <a:t>img</a:t>
+            </a:r>
+            <a:r>
+              <a:rPr lang="en-US" b="1" dirty="0" smtClean="0"/>
+              <a:t> </a:t>
+            </a:r>
+            <a:r>
+              <a:rPr lang="en-US" b="1" dirty="0" err="1" smtClean="0"/>
+              <a:t>src</a:t>
+            </a:r>
+            <a:r>
+              <a:rPr lang="en-US" b="1" dirty="0" smtClean="0"/>
+              <a:t>="path/to/image" alt="About image" /&gt;</a:t>
+            </a:r>
+          </a:p>
+          <a:p>
+            <a:pPr marL="0" indent="0">
+              <a:buNone/>
+            </a:pPr>
+            <a:r>
+              <a:rPr lang="en-US" b="1" dirty="0" smtClean="0"/>
+              <a:t>    &lt;</a:t>
+            </a:r>
+            <a:r>
+              <a:rPr lang="en-US" b="1" dirty="0" err="1" smtClean="0"/>
+              <a:t>figcaption</a:t>
+            </a:r>
+            <a:r>
+              <a:rPr lang="en-US" b="1" dirty="0" smtClean="0"/>
+              <a:t>&gt;</a:t>
+            </a:r>
+          </a:p>
+          <a:p>
+            <a:pPr marL="0" indent="0">
+              <a:buNone/>
+            </a:pPr>
+            <a:r>
+              <a:rPr lang="en-US" b="1" dirty="0" smtClean="0"/>
+              <a:t>        &lt;p&gt;</a:t>
+            </a:r>
+            <a:r>
+              <a:rPr lang="en-US" b="1" dirty="0" err="1" smtClean="0"/>
+              <a:t>C’est</a:t>
+            </a:r>
+            <a:r>
+              <a:rPr lang="en-US" b="1" dirty="0" smtClean="0"/>
+              <a:t> le </a:t>
+            </a:r>
+            <a:r>
+              <a:rPr lang="en-US" b="1" dirty="0" err="1" smtClean="0"/>
+              <a:t>titre</a:t>
+            </a:r>
+            <a:r>
+              <a:rPr lang="en-US" b="1" dirty="0" smtClean="0"/>
+              <a:t> du </a:t>
+            </a:r>
+            <a:r>
+              <a:rPr lang="en-US" b="1" smtClean="0"/>
+              <a:t>l’image. </a:t>
+            </a:r>
+            <a:r>
+              <a:rPr lang="en-US" b="1" dirty="0" smtClean="0"/>
+              <a:t>&lt;/p&gt;</a:t>
+            </a:r>
+          </a:p>
+          <a:p>
+            <a:pPr marL="0" indent="0">
+              <a:buNone/>
+            </a:pPr>
+            <a:r>
+              <a:rPr lang="en-US" b="1" dirty="0" smtClean="0"/>
+              <a:t>    &lt;/</a:t>
+            </a:r>
+            <a:r>
+              <a:rPr lang="en-US" b="1" dirty="0" err="1" smtClean="0"/>
+              <a:t>figcaption</a:t>
+            </a:r>
+            <a:r>
+              <a:rPr lang="en-US" b="1" dirty="0" smtClean="0"/>
+              <a:t>&gt;</a:t>
+            </a:r>
+          </a:p>
+          <a:p>
+            <a:pPr marL="0" indent="0">
+              <a:buNone/>
+            </a:pPr>
+            <a:r>
+              <a:rPr lang="en-US" b="1" dirty="0" smtClean="0"/>
+              <a:t>&lt;/figure&gt;</a:t>
+            </a:r>
+          </a:p>
+          <a:p>
+            <a:pPr marL="0" indent="0">
+              <a:buNone/>
+            </a:pPr>
+            <a:r>
+              <a:rPr lang="en-US" dirty="0" smtClean="0"/>
+              <a:t>le </a:t>
+            </a:r>
+            <a:r>
+              <a:rPr lang="en-US" dirty="0" err="1" smtClean="0"/>
+              <a:t>figcaption</a:t>
+            </a:r>
+            <a:r>
+              <a:rPr lang="en-US" dirty="0" smtClean="0"/>
+              <a:t> </a:t>
+            </a:r>
+            <a:r>
+              <a:rPr lang="fr-FR" dirty="0" smtClean="0"/>
+              <a:t>fais</a:t>
+            </a:r>
+            <a:r>
+              <a:rPr lang="en-US" dirty="0" smtClean="0"/>
+              <a:t> la </a:t>
+            </a:r>
+            <a:r>
+              <a:rPr lang="fr-FR" dirty="0" smtClean="0"/>
+              <a:t>truc , nous pourrons </a:t>
+            </a:r>
+            <a:r>
+              <a:rPr lang="fr-FR" dirty="0" err="1" smtClean="0"/>
+              <a:t>inserer</a:t>
+            </a:r>
+            <a:r>
+              <a:rPr lang="fr-FR" dirty="0" smtClean="0"/>
+              <a:t> quelque soit des balises html.</a:t>
+            </a:r>
+            <a:endParaRPr lang="fr-FR" dirty="0"/>
           </a:p>
         </p:txBody>
       </p:sp>
@@ -3309,6 +3506,177 @@
     <p:extLst>
       <p:ext uri="{BB962C8B-B14F-4D97-AF65-F5344CB8AC3E}">
         <p14:creationId xmlns:p14="http://schemas.microsoft.com/office/powerpoint/2010/main" val="2963578319"/>
+      </p:ext>
+    </p:extLst>
+  </p:cSld>
+  <p:clrMapOvr>
+    <a:masterClrMapping/>
+  </p:clrMapOvr>
+</p:sld>
+</file>
+
+<file path=ppt/slides/slide4.xml><?xml version="1.0" encoding="utf-8"?>
+<p:sld xmlns:a="http://schemas.openxmlformats.org/drawingml/2006/main" xmlns:r="http://schemas.openxmlformats.org/officeDocument/2006/relationships" xmlns:p="http://schemas.openxmlformats.org/presentationml/2006/main">
+  <p:cSld>
+    <p:spTree>
+      <p:nvGrpSpPr>
+        <p:cNvPr id="1" name=""/>
+        <p:cNvGrpSpPr/>
+        <p:nvPr/>
+      </p:nvGrpSpPr>
+      <p:grpSpPr>
+        <a:xfrm>
+          <a:off x="0" y="0"/>
+          <a:ext cx="0" cy="0"/>
+          <a:chOff x="0" y="0"/>
+          <a:chExt cx="0" cy="0"/>
+        </a:xfrm>
+      </p:grpSpPr>
+      <p:sp>
+        <p:nvSpPr>
+          <p:cNvPr id="2" name="Title 1"/>
+          <p:cNvSpPr>
+            <a:spLocks noGrp="1"/>
+          </p:cNvSpPr>
+          <p:nvPr>
+            <p:ph type="title"/>
+          </p:nvPr>
+        </p:nvSpPr>
+        <p:spPr/>
+        <p:txBody>
+          <a:bodyPr/>
+          <a:lstStyle/>
+          <a:p>
+            <a:r>
+              <a:rPr lang="fr-FR" u="sng" dirty="0" smtClean="0"/>
+              <a:t>Content-Editable</a:t>
+            </a:r>
+            <a:endParaRPr lang="fr-FR" u="sng" dirty="0"/>
+          </a:p>
+        </p:txBody>
+      </p:sp>
+      <p:sp>
+        <p:nvSpPr>
+          <p:cNvPr id="3" name="Content Placeholder 2"/>
+          <p:cNvSpPr>
+            <a:spLocks noGrp="1"/>
+          </p:cNvSpPr>
+          <p:nvPr>
+            <p:ph idx="1"/>
+          </p:nvPr>
+        </p:nvSpPr>
+        <p:spPr/>
+        <p:txBody>
+          <a:bodyPr/>
+          <a:lstStyle/>
+          <a:p>
+            <a:r>
+              <a:rPr lang="fr-FR" dirty="0" smtClean="0"/>
+              <a:t>Modifier votre contenu par le nouveau </a:t>
+            </a:r>
+            <a:r>
+              <a:rPr lang="fr-FR" dirty="0" err="1" smtClean="0"/>
+              <a:t>attribute</a:t>
+            </a:r>
+            <a:r>
+              <a:rPr lang="fr-FR" dirty="0" smtClean="0"/>
+              <a:t> : </a:t>
+            </a:r>
+            <a:r>
+              <a:rPr lang="fr-FR" dirty="0" err="1" smtClean="0"/>
+              <a:t>contenteditable</a:t>
+            </a:r>
+            <a:endParaRPr lang="fr-FR" dirty="0" smtClean="0"/>
+          </a:p>
+          <a:p>
+            <a:pPr marL="0" indent="0">
+              <a:buNone/>
+            </a:pPr>
+            <a:r>
+              <a:rPr lang="fr-FR" dirty="0" smtClean="0"/>
+              <a:t>Ex : </a:t>
+            </a:r>
+          </a:p>
+          <a:p>
+            <a:pPr marL="0" indent="0">
+              <a:buNone/>
+            </a:pPr>
+            <a:r>
+              <a:rPr lang="en-US" dirty="0"/>
+              <a:t> &lt;</a:t>
+            </a:r>
+            <a:r>
+              <a:rPr lang="en-US" dirty="0" err="1"/>
+              <a:t>ul</a:t>
+            </a:r>
+            <a:r>
+              <a:rPr lang="en-US" dirty="0"/>
+              <a:t> </a:t>
+            </a:r>
+            <a:r>
+              <a:rPr lang="en-US" b="1" dirty="0" err="1"/>
+              <a:t>contenteditable</a:t>
+            </a:r>
+            <a:r>
+              <a:rPr lang="en-US" b="1" dirty="0"/>
+              <a:t>="true"</a:t>
+            </a:r>
+            <a:r>
+              <a:rPr lang="en-US" dirty="0"/>
+              <a:t>&gt;</a:t>
+            </a:r>
+          </a:p>
+          <a:p>
+            <a:pPr marL="0" indent="0">
+              <a:buNone/>
+            </a:pPr>
+            <a:r>
+              <a:rPr lang="en-US" dirty="0"/>
+              <a:t>        &lt;li&gt; Break mechanical cab driver. &lt;/li&gt;</a:t>
+            </a:r>
+          </a:p>
+          <a:p>
+            <a:pPr marL="0" indent="0">
+              <a:buNone/>
+            </a:pPr>
+            <a:r>
+              <a:rPr lang="en-US" dirty="0"/>
+              <a:t>        &lt;li&gt; Drive to abandoned factory</a:t>
+            </a:r>
+          </a:p>
+          <a:p>
+            <a:pPr marL="0" indent="0">
+              <a:buNone/>
+            </a:pPr>
+            <a:r>
+              <a:rPr lang="en-US" dirty="0"/>
+              <a:t>        &lt;li&gt; Watch video of self &lt;/li&gt;</a:t>
+            </a:r>
+          </a:p>
+          <a:p>
+            <a:pPr marL="0" indent="0">
+              <a:buNone/>
+            </a:pPr>
+            <a:r>
+              <a:rPr lang="en-US" dirty="0"/>
+              <a:t>     &lt;/</a:t>
+            </a:r>
+            <a:r>
+              <a:rPr lang="en-US" dirty="0" err="1"/>
+              <a:t>ul</a:t>
+            </a:r>
+            <a:r>
+              <a:rPr lang="en-US" dirty="0"/>
+              <a:t>&gt;</a:t>
+            </a:r>
+            <a:endParaRPr lang="fr-FR" dirty="0"/>
+          </a:p>
+        </p:txBody>
+      </p:sp>
+    </p:spTree>
+    <p:extLst>
+      <p:ext uri="{BB962C8B-B14F-4D97-AF65-F5344CB8AC3E}">
+        <p14:creationId xmlns:p14="http://schemas.microsoft.com/office/powerpoint/2010/main" val="4109081804"/>
       </p:ext>
     </p:extLst>
   </p:cSld>

--- a/Presentation Du HTML5 .pptx
+++ b/Presentation Du HTML5 .pptx
@@ -4,11 +4,22 @@
   <p:sldMasterIdLst>
     <p:sldMasterId id="2147483648" r:id="rId1"/>
   </p:sldMasterIdLst>
+  <p:notesMasterIdLst>
+    <p:notesMasterId r:id="rId14"/>
+  </p:notesMasterIdLst>
   <p:sldIdLst>
     <p:sldId id="256" r:id="rId2"/>
     <p:sldId id="257" r:id="rId3"/>
     <p:sldId id="258" r:id="rId4"/>
     <p:sldId id="259" r:id="rId5"/>
+    <p:sldId id="260" r:id="rId6"/>
+    <p:sldId id="262" r:id="rId7"/>
+    <p:sldId id="263" r:id="rId8"/>
+    <p:sldId id="264" r:id="rId9"/>
+    <p:sldId id="265" r:id="rId10"/>
+    <p:sldId id="266" r:id="rId11"/>
+    <p:sldId id="267" r:id="rId12"/>
+    <p:sldId id="261" r:id="rId13"/>
   </p:sldIdLst>
   <p:sldSz cx="12192000" cy="6858000"/>
   <p:notesSz cx="6858000" cy="9144000"/>
@@ -113,6 +124,440 @@
     </p:ext>
   </p:extLst>
 </p:presentation>
+</file>
+
+<file path=ppt/notesMasters/notesMaster1.xml><?xml version="1.0" encoding="utf-8"?>
+<p:notesMaster xmlns:a="http://schemas.openxmlformats.org/drawingml/2006/main" xmlns:r="http://schemas.openxmlformats.org/officeDocument/2006/relationships" xmlns:p="http://schemas.openxmlformats.org/presentationml/2006/main">
+  <p:cSld>
+    <p:bg>
+      <p:bgRef idx="1001">
+        <a:schemeClr val="bg1"/>
+      </p:bgRef>
+    </p:bg>
+    <p:spTree>
+      <p:nvGrpSpPr>
+        <p:cNvPr id="1" name=""/>
+        <p:cNvGrpSpPr/>
+        <p:nvPr/>
+      </p:nvGrpSpPr>
+      <p:grpSpPr>
+        <a:xfrm>
+          <a:off x="0" y="0"/>
+          <a:ext cx="0" cy="0"/>
+          <a:chOff x="0" y="0"/>
+          <a:chExt cx="0" cy="0"/>
+        </a:xfrm>
+      </p:grpSpPr>
+      <p:sp>
+        <p:nvSpPr>
+          <p:cNvPr id="2" name="Header Placeholder 1"/>
+          <p:cNvSpPr>
+            <a:spLocks noGrp="1"/>
+          </p:cNvSpPr>
+          <p:nvPr>
+            <p:ph type="hdr" sz="quarter"/>
+          </p:nvPr>
+        </p:nvSpPr>
+        <p:spPr>
+          <a:xfrm>
+            <a:off x="0" y="0"/>
+            <a:ext cx="2971800" cy="458788"/>
+          </a:xfrm>
+          <a:prstGeom prst="rect">
+            <a:avLst/>
+          </a:prstGeom>
+        </p:spPr>
+        <p:txBody>
+          <a:bodyPr vert="horz" lIns="91440" tIns="45720" rIns="91440" bIns="45720" rtlCol="0"/>
+          <a:lstStyle>
+            <a:lvl1pPr algn="l">
+              <a:defRPr sz="1200"/>
+            </a:lvl1pPr>
+          </a:lstStyle>
+          <a:p>
+            <a:endParaRPr lang="fr-FR"/>
+          </a:p>
+        </p:txBody>
+      </p:sp>
+      <p:sp>
+        <p:nvSpPr>
+          <p:cNvPr id="3" name="Date Placeholder 2"/>
+          <p:cNvSpPr>
+            <a:spLocks noGrp="1"/>
+          </p:cNvSpPr>
+          <p:nvPr>
+            <p:ph type="dt" idx="1"/>
+          </p:nvPr>
+        </p:nvSpPr>
+        <p:spPr>
+          <a:xfrm>
+            <a:off x="3884613" y="0"/>
+            <a:ext cx="2971800" cy="458788"/>
+          </a:xfrm>
+          <a:prstGeom prst="rect">
+            <a:avLst/>
+          </a:prstGeom>
+        </p:spPr>
+        <p:txBody>
+          <a:bodyPr vert="horz" lIns="91440" tIns="45720" rIns="91440" bIns="45720" rtlCol="0"/>
+          <a:lstStyle>
+            <a:lvl1pPr algn="r">
+              <a:defRPr sz="1200"/>
+            </a:lvl1pPr>
+          </a:lstStyle>
+          <a:p>
+            <a:fld id="{ADCDA24E-0A6D-4656-8BB2-5019DDFD0A8F}" type="datetimeFigureOut">
+              <a:rPr lang="fr-FR" smtClean="0"/>
+              <a:t>12/12/2015</a:t>
+            </a:fld>
+            <a:endParaRPr lang="fr-FR"/>
+          </a:p>
+        </p:txBody>
+      </p:sp>
+      <p:sp>
+        <p:nvSpPr>
+          <p:cNvPr id="4" name="Slide Image Placeholder 3"/>
+          <p:cNvSpPr>
+            <a:spLocks noGrp="1" noRot="1" noChangeAspect="1"/>
+          </p:cNvSpPr>
+          <p:nvPr>
+            <p:ph type="sldImg" idx="2"/>
+          </p:nvPr>
+        </p:nvSpPr>
+        <p:spPr>
+          <a:xfrm>
+            <a:off x="685800" y="1143000"/>
+            <a:ext cx="5486400" cy="3086100"/>
+          </a:xfrm>
+          <a:prstGeom prst="rect">
+            <a:avLst/>
+          </a:prstGeom>
+          <a:noFill/>
+          <a:ln w="12700">
+            <a:solidFill>
+              <a:prstClr val="black"/>
+            </a:solidFill>
+          </a:ln>
+        </p:spPr>
+        <p:txBody>
+          <a:bodyPr vert="horz" lIns="91440" tIns="45720" rIns="91440" bIns="45720" rtlCol="0" anchor="ctr"/>
+          <a:lstStyle/>
+          <a:p>
+            <a:endParaRPr lang="fr-FR"/>
+          </a:p>
+        </p:txBody>
+      </p:sp>
+      <p:sp>
+        <p:nvSpPr>
+          <p:cNvPr id="5" name="Notes Placeholder 4"/>
+          <p:cNvSpPr>
+            <a:spLocks noGrp="1"/>
+          </p:cNvSpPr>
+          <p:nvPr>
+            <p:ph type="body" sz="quarter" idx="3"/>
+          </p:nvPr>
+        </p:nvSpPr>
+        <p:spPr>
+          <a:xfrm>
+            <a:off x="685800" y="4400550"/>
+            <a:ext cx="5486400" cy="3600450"/>
+          </a:xfrm>
+          <a:prstGeom prst="rect">
+            <a:avLst/>
+          </a:prstGeom>
+        </p:spPr>
+        <p:txBody>
+          <a:bodyPr vert="horz" lIns="91440" tIns="45720" rIns="91440" bIns="45720" rtlCol="0"/>
+          <a:lstStyle/>
+          <a:p>
+            <a:pPr lvl="0"/>
+            <a:r>
+              <a:rPr lang="en-US" smtClean="0"/>
+              <a:t>Click to edit Master text styles</a:t>
+            </a:r>
+          </a:p>
+          <a:p>
+            <a:pPr lvl="1"/>
+            <a:r>
+              <a:rPr lang="en-US" smtClean="0"/>
+              <a:t>Second level</a:t>
+            </a:r>
+          </a:p>
+          <a:p>
+            <a:pPr lvl="2"/>
+            <a:r>
+              <a:rPr lang="en-US" smtClean="0"/>
+              <a:t>Third level</a:t>
+            </a:r>
+          </a:p>
+          <a:p>
+            <a:pPr lvl="3"/>
+            <a:r>
+              <a:rPr lang="en-US" smtClean="0"/>
+              <a:t>Fourth level</a:t>
+            </a:r>
+          </a:p>
+          <a:p>
+            <a:pPr lvl="4"/>
+            <a:r>
+              <a:rPr lang="en-US" smtClean="0"/>
+              <a:t>Fifth level</a:t>
+            </a:r>
+            <a:endParaRPr lang="fr-FR"/>
+          </a:p>
+        </p:txBody>
+      </p:sp>
+      <p:sp>
+        <p:nvSpPr>
+          <p:cNvPr id="6" name="Footer Placeholder 5"/>
+          <p:cNvSpPr>
+            <a:spLocks noGrp="1"/>
+          </p:cNvSpPr>
+          <p:nvPr>
+            <p:ph type="ftr" sz="quarter" idx="4"/>
+          </p:nvPr>
+        </p:nvSpPr>
+        <p:spPr>
+          <a:xfrm>
+            <a:off x="0" y="8685213"/>
+            <a:ext cx="2971800" cy="458787"/>
+          </a:xfrm>
+          <a:prstGeom prst="rect">
+            <a:avLst/>
+          </a:prstGeom>
+        </p:spPr>
+        <p:txBody>
+          <a:bodyPr vert="horz" lIns="91440" tIns="45720" rIns="91440" bIns="45720" rtlCol="0" anchor="b"/>
+          <a:lstStyle>
+            <a:lvl1pPr algn="l">
+              <a:defRPr sz="1200"/>
+            </a:lvl1pPr>
+          </a:lstStyle>
+          <a:p>
+            <a:endParaRPr lang="fr-FR"/>
+          </a:p>
+        </p:txBody>
+      </p:sp>
+      <p:sp>
+        <p:nvSpPr>
+          <p:cNvPr id="7" name="Slide Number Placeholder 6"/>
+          <p:cNvSpPr>
+            <a:spLocks noGrp="1"/>
+          </p:cNvSpPr>
+          <p:nvPr>
+            <p:ph type="sldNum" sz="quarter" idx="5"/>
+          </p:nvPr>
+        </p:nvSpPr>
+        <p:spPr>
+          <a:xfrm>
+            <a:off x="3884613" y="8685213"/>
+            <a:ext cx="2971800" cy="458787"/>
+          </a:xfrm>
+          <a:prstGeom prst="rect">
+            <a:avLst/>
+          </a:prstGeom>
+        </p:spPr>
+        <p:txBody>
+          <a:bodyPr vert="horz" lIns="91440" tIns="45720" rIns="91440" bIns="45720" rtlCol="0" anchor="b"/>
+          <a:lstStyle>
+            <a:lvl1pPr algn="r">
+              <a:defRPr sz="1200"/>
+            </a:lvl1pPr>
+          </a:lstStyle>
+          <a:p>
+            <a:fld id="{09A2CD89-E1C5-47C1-ADE9-FAA4FE62E1A2}" type="slidenum">
+              <a:rPr lang="fr-FR" smtClean="0"/>
+              <a:t>‹#›</a:t>
+            </a:fld>
+            <a:endParaRPr lang="fr-FR"/>
+          </a:p>
+        </p:txBody>
+      </p:sp>
+    </p:spTree>
+    <p:extLst>
+      <p:ext uri="{BB962C8B-B14F-4D97-AF65-F5344CB8AC3E}">
+        <p14:creationId xmlns:p14="http://schemas.microsoft.com/office/powerpoint/2010/main" val="2650680247"/>
+      </p:ext>
+    </p:extLst>
+  </p:cSld>
+  <p:clrMap bg1="lt1" tx1="dk1" bg2="lt2" tx2="dk2" accent1="accent1" accent2="accent2" accent3="accent3" accent4="accent4" accent5="accent5" accent6="accent6" hlink="hlink" folHlink="folHlink"/>
+  <p:notesStyle>
+    <a:lvl1pPr marL="0" algn="l" defTabSz="914400" rtl="0" eaLnBrk="1" latinLnBrk="0" hangingPunct="1">
+      <a:defRPr sz="1200" kern="1200">
+        <a:solidFill>
+          <a:schemeClr val="tx1"/>
+        </a:solidFill>
+        <a:latin typeface="+mn-lt"/>
+        <a:ea typeface="+mn-ea"/>
+        <a:cs typeface="+mn-cs"/>
+      </a:defRPr>
+    </a:lvl1pPr>
+    <a:lvl2pPr marL="457200" algn="l" defTabSz="914400" rtl="0" eaLnBrk="1" latinLnBrk="0" hangingPunct="1">
+      <a:defRPr sz="1200" kern="1200">
+        <a:solidFill>
+          <a:schemeClr val="tx1"/>
+        </a:solidFill>
+        <a:latin typeface="+mn-lt"/>
+        <a:ea typeface="+mn-ea"/>
+        <a:cs typeface="+mn-cs"/>
+      </a:defRPr>
+    </a:lvl2pPr>
+    <a:lvl3pPr marL="914400" algn="l" defTabSz="914400" rtl="0" eaLnBrk="1" latinLnBrk="0" hangingPunct="1">
+      <a:defRPr sz="1200" kern="1200">
+        <a:solidFill>
+          <a:schemeClr val="tx1"/>
+        </a:solidFill>
+        <a:latin typeface="+mn-lt"/>
+        <a:ea typeface="+mn-ea"/>
+        <a:cs typeface="+mn-cs"/>
+      </a:defRPr>
+    </a:lvl3pPr>
+    <a:lvl4pPr marL="1371600" algn="l" defTabSz="914400" rtl="0" eaLnBrk="1" latinLnBrk="0" hangingPunct="1">
+      <a:defRPr sz="1200" kern="1200">
+        <a:solidFill>
+          <a:schemeClr val="tx1"/>
+        </a:solidFill>
+        <a:latin typeface="+mn-lt"/>
+        <a:ea typeface="+mn-ea"/>
+        <a:cs typeface="+mn-cs"/>
+      </a:defRPr>
+    </a:lvl4pPr>
+    <a:lvl5pPr marL="1828800" algn="l" defTabSz="914400" rtl="0" eaLnBrk="1" latinLnBrk="0" hangingPunct="1">
+      <a:defRPr sz="1200" kern="1200">
+        <a:solidFill>
+          <a:schemeClr val="tx1"/>
+        </a:solidFill>
+        <a:latin typeface="+mn-lt"/>
+        <a:ea typeface="+mn-ea"/>
+        <a:cs typeface="+mn-cs"/>
+      </a:defRPr>
+    </a:lvl5pPr>
+    <a:lvl6pPr marL="2286000" algn="l" defTabSz="914400" rtl="0" eaLnBrk="1" latinLnBrk="0" hangingPunct="1">
+      <a:defRPr sz="1200" kern="1200">
+        <a:solidFill>
+          <a:schemeClr val="tx1"/>
+        </a:solidFill>
+        <a:latin typeface="+mn-lt"/>
+        <a:ea typeface="+mn-ea"/>
+        <a:cs typeface="+mn-cs"/>
+      </a:defRPr>
+    </a:lvl6pPr>
+    <a:lvl7pPr marL="2743200" algn="l" defTabSz="914400" rtl="0" eaLnBrk="1" latinLnBrk="0" hangingPunct="1">
+      <a:defRPr sz="1200" kern="1200">
+        <a:solidFill>
+          <a:schemeClr val="tx1"/>
+        </a:solidFill>
+        <a:latin typeface="+mn-lt"/>
+        <a:ea typeface="+mn-ea"/>
+        <a:cs typeface="+mn-cs"/>
+      </a:defRPr>
+    </a:lvl7pPr>
+    <a:lvl8pPr marL="3200400" algn="l" defTabSz="914400" rtl="0" eaLnBrk="1" latinLnBrk="0" hangingPunct="1">
+      <a:defRPr sz="1200" kern="1200">
+        <a:solidFill>
+          <a:schemeClr val="tx1"/>
+        </a:solidFill>
+        <a:latin typeface="+mn-lt"/>
+        <a:ea typeface="+mn-ea"/>
+        <a:cs typeface="+mn-cs"/>
+      </a:defRPr>
+    </a:lvl8pPr>
+    <a:lvl9pPr marL="3657600" algn="l" defTabSz="914400" rtl="0" eaLnBrk="1" latinLnBrk="0" hangingPunct="1">
+      <a:defRPr sz="1200" kern="1200">
+        <a:solidFill>
+          <a:schemeClr val="tx1"/>
+        </a:solidFill>
+        <a:latin typeface="+mn-lt"/>
+        <a:ea typeface="+mn-ea"/>
+        <a:cs typeface="+mn-cs"/>
+      </a:defRPr>
+    </a:lvl9pPr>
+  </p:notesStyle>
+</p:notesMaster>
+</file>
+
+<file path=ppt/notesSlides/notesSlide1.xml><?xml version="1.0" encoding="utf-8"?>
+<p:notes xmlns:a="http://schemas.openxmlformats.org/drawingml/2006/main" xmlns:r="http://schemas.openxmlformats.org/officeDocument/2006/relationships" xmlns:p="http://schemas.openxmlformats.org/presentationml/2006/main">
+  <p:cSld>
+    <p:spTree>
+      <p:nvGrpSpPr>
+        <p:cNvPr id="1" name=""/>
+        <p:cNvGrpSpPr/>
+        <p:nvPr/>
+      </p:nvGrpSpPr>
+      <p:grpSpPr>
+        <a:xfrm>
+          <a:off x="0" y="0"/>
+          <a:ext cx="0" cy="0"/>
+          <a:chOff x="0" y="0"/>
+          <a:chExt cx="0" cy="0"/>
+        </a:xfrm>
+      </p:grpSpPr>
+      <p:sp>
+        <p:nvSpPr>
+          <p:cNvPr id="2" name="Slide Image Placeholder 1"/>
+          <p:cNvSpPr>
+            <a:spLocks noGrp="1" noRot="1" noChangeAspect="1"/>
+          </p:cNvSpPr>
+          <p:nvPr>
+            <p:ph type="sldImg"/>
+          </p:nvPr>
+        </p:nvSpPr>
+        <p:spPr/>
+      </p:sp>
+      <p:sp>
+        <p:nvSpPr>
+          <p:cNvPr id="3" name="Notes Placeholder 2"/>
+          <p:cNvSpPr>
+            <a:spLocks noGrp="1"/>
+          </p:cNvSpPr>
+          <p:nvPr>
+            <p:ph type="body" idx="1"/>
+          </p:nvPr>
+        </p:nvSpPr>
+        <p:spPr/>
+        <p:txBody>
+          <a:bodyPr/>
+          <a:lstStyle/>
+          <a:p>
+            <a:endParaRPr lang="fr-FR" dirty="0"/>
+          </a:p>
+        </p:txBody>
+      </p:sp>
+      <p:sp>
+        <p:nvSpPr>
+          <p:cNvPr id="4" name="Slide Number Placeholder 3"/>
+          <p:cNvSpPr>
+            <a:spLocks noGrp="1"/>
+          </p:cNvSpPr>
+          <p:nvPr>
+            <p:ph type="sldNum" sz="quarter" idx="10"/>
+          </p:nvPr>
+        </p:nvSpPr>
+        <p:spPr/>
+        <p:txBody>
+          <a:bodyPr/>
+          <a:lstStyle/>
+          <a:p>
+            <a:fld id="{09A2CD89-E1C5-47C1-ADE9-FAA4FE62E1A2}" type="slidenum">
+              <a:rPr lang="fr-FR" smtClean="0"/>
+              <a:t>8</a:t>
+            </a:fld>
+            <a:endParaRPr lang="fr-FR"/>
+          </a:p>
+        </p:txBody>
+      </p:sp>
+    </p:spTree>
+    <p:extLst>
+      <p:ext uri="{BB962C8B-B14F-4D97-AF65-F5344CB8AC3E}">
+        <p14:creationId xmlns:p14="http://schemas.microsoft.com/office/powerpoint/2010/main" val="544742710"/>
+      </p:ext>
+    </p:extLst>
+  </p:cSld>
+  <p:clrMapOvr>
+    <a:masterClrMapping/>
+  </p:clrMapOvr>
+</p:notes>
 </file>
 
 <file path=ppt/slideLayouts/slideLayout1.xml><?xml version="1.0" encoding="utf-8"?>
@@ -3048,6 +3493,888 @@
 </p:sld>
 </file>
 
+<file path=ppt/slides/slide10.xml><?xml version="1.0" encoding="utf-8"?>
+<p:sld xmlns:a="http://schemas.openxmlformats.org/drawingml/2006/main" xmlns:r="http://schemas.openxmlformats.org/officeDocument/2006/relationships" xmlns:p="http://schemas.openxmlformats.org/presentationml/2006/main">
+  <p:cSld>
+    <p:spTree>
+      <p:nvGrpSpPr>
+        <p:cNvPr id="1" name=""/>
+        <p:cNvGrpSpPr/>
+        <p:nvPr/>
+      </p:nvGrpSpPr>
+      <p:grpSpPr>
+        <a:xfrm>
+          <a:off x="0" y="0"/>
+          <a:ext cx="0" cy="0"/>
+          <a:chOff x="0" y="0"/>
+          <a:chExt cx="0" cy="0"/>
+        </a:xfrm>
+      </p:grpSpPr>
+      <p:sp>
+        <p:nvSpPr>
+          <p:cNvPr id="2" name="Title 1"/>
+          <p:cNvSpPr>
+            <a:spLocks noGrp="1"/>
+          </p:cNvSpPr>
+          <p:nvPr>
+            <p:ph type="title"/>
+          </p:nvPr>
+        </p:nvSpPr>
+        <p:spPr>
+          <a:xfrm>
+            <a:off x="838200" y="1"/>
+            <a:ext cx="10515600" cy="817418"/>
+          </a:xfrm>
+        </p:spPr>
+        <p:txBody>
+          <a:bodyPr/>
+          <a:lstStyle/>
+          <a:p>
+            <a:r>
+              <a:rPr lang="fr-FR" u="sng" dirty="0" err="1" smtClean="0"/>
+              <a:t>canvas</a:t>
+            </a:r>
+            <a:endParaRPr lang="fr-FR" u="sng" dirty="0"/>
+          </a:p>
+        </p:txBody>
+      </p:sp>
+      <p:sp>
+        <p:nvSpPr>
+          <p:cNvPr id="3" name="Content Placeholder 2"/>
+          <p:cNvSpPr>
+            <a:spLocks noGrp="1"/>
+          </p:cNvSpPr>
+          <p:nvPr>
+            <p:ph idx="1"/>
+          </p:nvPr>
+        </p:nvSpPr>
+        <p:spPr>
+          <a:xfrm>
+            <a:off x="838200" y="817418"/>
+            <a:ext cx="10515600" cy="6040581"/>
+          </a:xfrm>
+        </p:spPr>
+        <p:txBody>
+          <a:bodyPr/>
+          <a:lstStyle/>
+          <a:p>
+            <a:pPr marL="0" indent="0">
+              <a:buNone/>
+            </a:pPr>
+            <a:r>
+              <a:rPr lang="en-US" dirty="0" smtClean="0"/>
+              <a:t>le </a:t>
+            </a:r>
+            <a:r>
+              <a:rPr lang="fr-FR" dirty="0" smtClean="0"/>
+              <a:t>balise</a:t>
+            </a:r>
+            <a:r>
+              <a:rPr lang="en-US" dirty="0" smtClean="0"/>
+              <a:t> Canvas </a:t>
+            </a:r>
+            <a:r>
+              <a:rPr lang="fr-BE" dirty="0" smtClean="0"/>
+              <a:t>est</a:t>
+            </a:r>
+            <a:r>
+              <a:rPr lang="en-US" dirty="0" smtClean="0"/>
+              <a:t> utilizer pour </a:t>
+            </a:r>
+            <a:r>
+              <a:rPr lang="en-US" dirty="0" err="1" smtClean="0"/>
+              <a:t>dessiner</a:t>
+            </a:r>
+            <a:r>
+              <a:rPr lang="en-US" dirty="0" smtClean="0"/>
+              <a:t> des graphic </a:t>
+            </a:r>
+            <a:r>
+              <a:rPr lang="en-US" dirty="0" err="1" smtClean="0"/>
+              <a:t>sur</a:t>
+            </a:r>
+            <a:r>
+              <a:rPr lang="en-US" dirty="0" smtClean="0"/>
+              <a:t> la page web en </a:t>
+            </a:r>
+            <a:r>
+              <a:rPr lang="en-US" dirty="0" err="1" smtClean="0"/>
+              <a:t>utitlisant</a:t>
+            </a:r>
+            <a:r>
+              <a:rPr lang="en-US" dirty="0" smtClean="0"/>
+              <a:t> le </a:t>
+            </a:r>
+            <a:r>
+              <a:rPr lang="en-US" dirty="0" err="1" smtClean="0"/>
+              <a:t>javascript</a:t>
+            </a:r>
+            <a:r>
+              <a:rPr lang="en-US" dirty="0" smtClean="0"/>
+              <a:t> </a:t>
+            </a:r>
+          </a:p>
+          <a:p>
+            <a:pPr marL="0" indent="0">
+              <a:buNone/>
+            </a:pPr>
+            <a:r>
+              <a:rPr lang="en-US" dirty="0" smtClean="0"/>
+              <a:t>Ex: </a:t>
+            </a:r>
+            <a:r>
+              <a:rPr lang="en-US" sz="1800" dirty="0"/>
+              <a:t>&lt;canvas id="</a:t>
+            </a:r>
+            <a:r>
+              <a:rPr lang="en-US" sz="1800" dirty="0" err="1"/>
+              <a:t>myCanvas</a:t>
+            </a:r>
+            <a:r>
+              <a:rPr lang="en-US" sz="1800" dirty="0"/>
+              <a:t>" width="200" height="100"&gt;&lt;/canvas</a:t>
+            </a:r>
+            <a:r>
+              <a:rPr lang="en-US" sz="1800" dirty="0" smtClean="0"/>
+              <a:t>&gt;</a:t>
+            </a:r>
+            <a:endParaRPr lang="en-US" sz="1800" dirty="0"/>
+          </a:p>
+          <a:p>
+            <a:pPr marL="0" indent="0">
+              <a:buNone/>
+            </a:pPr>
+            <a:r>
+              <a:rPr lang="en-US" sz="1800" dirty="0" err="1" smtClean="0"/>
+              <a:t>Dessiner</a:t>
+            </a:r>
+            <a:r>
+              <a:rPr lang="en-US" sz="1800" dirty="0"/>
+              <a:t> </a:t>
+            </a:r>
+            <a:r>
+              <a:rPr lang="en-US" sz="1800" dirty="0" err="1" smtClean="0"/>
+              <a:t>une</a:t>
+            </a:r>
+            <a:r>
+              <a:rPr lang="en-US" sz="1800" dirty="0" smtClean="0"/>
+              <a:t> rectangle : </a:t>
+            </a:r>
+          </a:p>
+          <a:p>
+            <a:pPr marL="0" indent="0">
+              <a:buNone/>
+            </a:pPr>
+            <a:r>
+              <a:rPr lang="en-US" sz="1800" b="1" dirty="0" smtClean="0"/>
+              <a:t>&lt;script type=“text/</a:t>
+            </a:r>
+            <a:r>
+              <a:rPr lang="en-US" sz="1800" b="1" dirty="0" err="1" smtClean="0"/>
+              <a:t>javascript</a:t>
+            </a:r>
+            <a:r>
+              <a:rPr lang="en-US" sz="1800" b="1" dirty="0" smtClean="0"/>
+              <a:t>”&gt;</a:t>
+            </a:r>
+          </a:p>
+          <a:p>
+            <a:pPr marL="457200" lvl="1" indent="0">
+              <a:buNone/>
+            </a:pPr>
+            <a:r>
+              <a:rPr lang="en-US" sz="1600" b="1" dirty="0" err="1"/>
+              <a:t>var</a:t>
+            </a:r>
+            <a:r>
+              <a:rPr lang="en-US" sz="1600" b="1" dirty="0"/>
+              <a:t> c = </a:t>
+            </a:r>
+            <a:r>
+              <a:rPr lang="en-US" sz="1600" b="1" dirty="0" err="1"/>
+              <a:t>document.getElementById</a:t>
+            </a:r>
+            <a:r>
+              <a:rPr lang="en-US" sz="1600" b="1" dirty="0"/>
+              <a:t>("</a:t>
+            </a:r>
+            <a:r>
+              <a:rPr lang="en-US" sz="1600" b="1" dirty="0" err="1"/>
+              <a:t>myCanvas</a:t>
+            </a:r>
+            <a:r>
+              <a:rPr lang="en-US" sz="1600" b="1" dirty="0"/>
+              <a:t>");</a:t>
+            </a:r>
+            <a:r>
+              <a:rPr lang="en-US" sz="1600" b="1" dirty="0"/>
+              <a:t/>
+            </a:r>
+            <a:br>
+              <a:rPr lang="en-US" sz="1600" b="1" dirty="0"/>
+            </a:br>
+            <a:r>
+              <a:rPr lang="en-US" sz="1600" b="1" dirty="0" err="1"/>
+              <a:t>var</a:t>
+            </a:r>
+            <a:r>
+              <a:rPr lang="en-US" sz="1600" b="1" dirty="0"/>
+              <a:t> </a:t>
+            </a:r>
+            <a:r>
+              <a:rPr lang="en-US" sz="1600" b="1" dirty="0" err="1"/>
+              <a:t>ctx</a:t>
+            </a:r>
+            <a:r>
+              <a:rPr lang="en-US" sz="1600" b="1" dirty="0"/>
+              <a:t> = </a:t>
+            </a:r>
+            <a:r>
+              <a:rPr lang="en-US" sz="1600" b="1" dirty="0" err="1"/>
+              <a:t>c.getContext</a:t>
+            </a:r>
+            <a:r>
+              <a:rPr lang="en-US" sz="1600" b="1" dirty="0"/>
+              <a:t>("2d");</a:t>
+            </a:r>
+            <a:r>
+              <a:rPr lang="en-US" sz="1600" b="1" dirty="0"/>
+              <a:t/>
+            </a:r>
+            <a:br>
+              <a:rPr lang="en-US" sz="1600" b="1" dirty="0"/>
+            </a:br>
+            <a:r>
+              <a:rPr lang="en-US" sz="1600" b="1" dirty="0" err="1"/>
+              <a:t>ctx.fillStyle</a:t>
+            </a:r>
+            <a:r>
+              <a:rPr lang="en-US" sz="1600" b="1" dirty="0"/>
+              <a:t> = "#FF0000";</a:t>
+            </a:r>
+            <a:r>
+              <a:rPr lang="en-US" sz="1600" b="1" dirty="0"/>
+              <a:t/>
+            </a:r>
+            <a:br>
+              <a:rPr lang="en-US" sz="1600" b="1" dirty="0"/>
+            </a:br>
+            <a:r>
+              <a:rPr lang="en-US" sz="1600" b="1" dirty="0" err="1"/>
+              <a:t>ctx.fillRect</a:t>
+            </a:r>
+            <a:r>
+              <a:rPr lang="en-US" sz="1600" b="1" dirty="0"/>
+              <a:t>(0,0,150,75</a:t>
+            </a:r>
+            <a:r>
+              <a:rPr lang="en-US" sz="1600" b="1" dirty="0" smtClean="0"/>
+              <a:t>);</a:t>
+            </a:r>
+          </a:p>
+          <a:p>
+            <a:pPr marL="0" indent="0">
+              <a:buNone/>
+            </a:pPr>
+            <a:r>
+              <a:rPr lang="en-US" sz="1800" b="1" dirty="0" smtClean="0"/>
+              <a:t>&lt;/script&gt;</a:t>
+            </a:r>
+          </a:p>
+          <a:p>
+            <a:pPr marL="0" indent="0">
+              <a:buNone/>
+            </a:pPr>
+            <a:r>
+              <a:rPr lang="fr-FR" sz="1800" dirty="0" smtClean="0"/>
+              <a:t>Dessiner un ligne:</a:t>
+            </a:r>
+          </a:p>
+          <a:p>
+            <a:pPr marL="0" indent="0">
+              <a:buNone/>
+            </a:pPr>
+            <a:r>
+              <a:rPr lang="en-US" sz="1800" b="1" dirty="0"/>
+              <a:t>&lt;script type=“text/</a:t>
+            </a:r>
+            <a:r>
+              <a:rPr lang="en-US" sz="1800" b="1" dirty="0" err="1"/>
+              <a:t>javascript</a:t>
+            </a:r>
+            <a:r>
+              <a:rPr lang="en-US" sz="1800" b="1" dirty="0" smtClean="0"/>
+              <a:t>”&gt;</a:t>
+            </a:r>
+            <a:endParaRPr lang="fr-FR" sz="1800" dirty="0" smtClean="0"/>
+          </a:p>
+          <a:p>
+            <a:pPr marL="457200" lvl="1" indent="0">
+              <a:buNone/>
+            </a:pPr>
+            <a:r>
+              <a:rPr lang="en-US" sz="1600" b="1" dirty="0" err="1"/>
+              <a:t>var</a:t>
+            </a:r>
+            <a:r>
+              <a:rPr lang="en-US" sz="1600" b="1" dirty="0"/>
+              <a:t> c = </a:t>
+            </a:r>
+            <a:r>
+              <a:rPr lang="en-US" sz="1600" b="1" dirty="0" err="1"/>
+              <a:t>document.getElementById</a:t>
+            </a:r>
+            <a:r>
+              <a:rPr lang="en-US" sz="1600" b="1" dirty="0"/>
+              <a:t>("</a:t>
+            </a:r>
+            <a:r>
+              <a:rPr lang="en-US" sz="1600" b="1" dirty="0" err="1"/>
+              <a:t>myCanvas</a:t>
+            </a:r>
+            <a:r>
+              <a:rPr lang="en-US" sz="1600" b="1" dirty="0"/>
+              <a:t>");</a:t>
+            </a:r>
+            <a:r>
+              <a:rPr lang="en-US" sz="1600" b="1" dirty="0"/>
+              <a:t/>
+            </a:r>
+            <a:br>
+              <a:rPr lang="en-US" sz="1600" b="1" dirty="0"/>
+            </a:br>
+            <a:r>
+              <a:rPr lang="en-US" sz="1600" b="1" dirty="0" err="1"/>
+              <a:t>var</a:t>
+            </a:r>
+            <a:r>
+              <a:rPr lang="en-US" sz="1600" b="1" dirty="0"/>
+              <a:t> </a:t>
+            </a:r>
+            <a:r>
+              <a:rPr lang="en-US" sz="1600" b="1" dirty="0" err="1"/>
+              <a:t>ctx</a:t>
+            </a:r>
+            <a:r>
+              <a:rPr lang="en-US" sz="1600" b="1" dirty="0"/>
+              <a:t> = </a:t>
+            </a:r>
+            <a:r>
+              <a:rPr lang="en-US" sz="1600" b="1" dirty="0" err="1"/>
+              <a:t>c.getContext</a:t>
+            </a:r>
+            <a:r>
+              <a:rPr lang="en-US" sz="1600" b="1" dirty="0"/>
+              <a:t>("2d");</a:t>
+            </a:r>
+            <a:r>
+              <a:rPr lang="en-US" sz="1600" b="1" dirty="0"/>
+              <a:t/>
+            </a:r>
+            <a:br>
+              <a:rPr lang="en-US" sz="1600" b="1" dirty="0"/>
+            </a:br>
+            <a:r>
+              <a:rPr lang="en-US" sz="1600" b="1" dirty="0" err="1"/>
+              <a:t>ctx.moveTo</a:t>
+            </a:r>
+            <a:r>
+              <a:rPr lang="en-US" sz="1600" b="1" dirty="0"/>
+              <a:t>(0,0);</a:t>
+            </a:r>
+            <a:r>
+              <a:rPr lang="en-US" sz="1600" b="1" dirty="0"/>
+              <a:t/>
+            </a:r>
+            <a:br>
+              <a:rPr lang="en-US" sz="1600" b="1" dirty="0"/>
+            </a:br>
+            <a:r>
+              <a:rPr lang="en-US" sz="1600" b="1" dirty="0" err="1"/>
+              <a:t>ctx.lineTo</a:t>
+            </a:r>
+            <a:r>
+              <a:rPr lang="en-US" sz="1600" b="1" dirty="0"/>
+              <a:t>(200,100);</a:t>
+            </a:r>
+            <a:r>
+              <a:rPr lang="en-US" sz="1600" b="1" dirty="0"/>
+              <a:t/>
+            </a:r>
+            <a:br>
+              <a:rPr lang="en-US" sz="1600" b="1" dirty="0"/>
+            </a:br>
+            <a:r>
+              <a:rPr lang="en-US" sz="1600" b="1" dirty="0" err="1"/>
+              <a:t>ctx.stroke</a:t>
+            </a:r>
+            <a:r>
+              <a:rPr lang="en-US" sz="1600" b="1" dirty="0" smtClean="0"/>
+              <a:t>();</a:t>
+            </a:r>
+          </a:p>
+          <a:p>
+            <a:pPr marL="0" indent="0">
+              <a:buNone/>
+            </a:pPr>
+            <a:r>
+              <a:rPr lang="en-US" sz="1800" b="1" dirty="0" smtClean="0"/>
+              <a:t>&lt;/script&gt;</a:t>
+            </a:r>
+            <a:endParaRPr lang="fr-FR" sz="1800" b="1" dirty="0"/>
+          </a:p>
+        </p:txBody>
+      </p:sp>
+      <p:pic>
+        <p:nvPicPr>
+          <p:cNvPr id="4" name="Picture 3"/>
+          <p:cNvPicPr>
+            <a:picLocks noChangeAspect="1"/>
+          </p:cNvPicPr>
+          <p:nvPr/>
+        </p:nvPicPr>
+        <p:blipFill>
+          <a:blip r:embed="rId2">
+            <a:extLst>
+              <a:ext uri="{28A0092B-C50C-407E-A947-70E740481C1C}">
+                <a14:useLocalDpi xmlns:a14="http://schemas.microsoft.com/office/drawing/2010/main" val="0"/>
+              </a:ext>
+            </a:extLst>
+          </a:blip>
+          <a:stretch>
+            <a:fillRect/>
+          </a:stretch>
+        </p:blipFill>
+        <p:spPr>
+          <a:xfrm>
+            <a:off x="6330487" y="2611910"/>
+            <a:ext cx="2495898" cy="1495634"/>
+          </a:xfrm>
+          <a:prstGeom prst="rect">
+            <a:avLst/>
+          </a:prstGeom>
+        </p:spPr>
+      </p:pic>
+      <p:pic>
+        <p:nvPicPr>
+          <p:cNvPr id="5" name="Picture 4"/>
+          <p:cNvPicPr>
+            <a:picLocks noChangeAspect="1"/>
+          </p:cNvPicPr>
+          <p:nvPr/>
+        </p:nvPicPr>
+        <p:blipFill>
+          <a:blip r:embed="rId3">
+            <a:extLst>
+              <a:ext uri="{28A0092B-C50C-407E-A947-70E740481C1C}">
+                <a14:useLocalDpi xmlns:a14="http://schemas.microsoft.com/office/drawing/2010/main" val="0"/>
+              </a:ext>
+            </a:extLst>
+          </a:blip>
+          <a:stretch>
+            <a:fillRect/>
+          </a:stretch>
+        </p:blipFill>
+        <p:spPr>
+          <a:xfrm>
+            <a:off x="6606750" y="4920718"/>
+            <a:ext cx="2219635" cy="1124107"/>
+          </a:xfrm>
+          <a:prstGeom prst="rect">
+            <a:avLst/>
+          </a:prstGeom>
+        </p:spPr>
+      </p:pic>
+    </p:spTree>
+    <p:extLst>
+      <p:ext uri="{BB962C8B-B14F-4D97-AF65-F5344CB8AC3E}">
+        <p14:creationId xmlns:p14="http://schemas.microsoft.com/office/powerpoint/2010/main" val="3286367564"/>
+      </p:ext>
+    </p:extLst>
+  </p:cSld>
+  <p:clrMapOvr>
+    <a:masterClrMapping/>
+  </p:clrMapOvr>
+</p:sld>
+</file>
+
+<file path=ppt/slides/slide11.xml><?xml version="1.0" encoding="utf-8"?>
+<p:sld xmlns:a="http://schemas.openxmlformats.org/drawingml/2006/main" xmlns:r="http://schemas.openxmlformats.org/officeDocument/2006/relationships" xmlns:p="http://schemas.openxmlformats.org/presentationml/2006/main">
+  <p:cSld>
+    <p:spTree>
+      <p:nvGrpSpPr>
+        <p:cNvPr id="1" name=""/>
+        <p:cNvGrpSpPr/>
+        <p:nvPr/>
+      </p:nvGrpSpPr>
+      <p:grpSpPr>
+        <a:xfrm>
+          <a:off x="0" y="0"/>
+          <a:ext cx="0" cy="0"/>
+          <a:chOff x="0" y="0"/>
+          <a:chExt cx="0" cy="0"/>
+        </a:xfrm>
+      </p:grpSpPr>
+      <p:sp>
+        <p:nvSpPr>
+          <p:cNvPr id="2" name="Title 1"/>
+          <p:cNvSpPr>
+            <a:spLocks noGrp="1"/>
+          </p:cNvSpPr>
+          <p:nvPr>
+            <p:ph type="title"/>
+          </p:nvPr>
+        </p:nvSpPr>
+        <p:spPr>
+          <a:xfrm>
+            <a:off x="221673" y="365125"/>
+            <a:ext cx="11132127" cy="452293"/>
+          </a:xfrm>
+        </p:spPr>
+        <p:txBody>
+          <a:bodyPr>
+            <a:normAutofit/>
+          </a:bodyPr>
+          <a:lstStyle/>
+          <a:p>
+            <a:r>
+              <a:rPr lang="fr-BE" sz="1800" dirty="0" smtClean="0">
+                <a:latin typeface="+mn-lt"/>
+              </a:rPr>
+              <a:t>Dessiner un cercle</a:t>
+            </a:r>
+            <a:endParaRPr lang="fr-BE" sz="1800" dirty="0">
+              <a:latin typeface="+mn-lt"/>
+            </a:endParaRPr>
+          </a:p>
+        </p:txBody>
+      </p:sp>
+      <p:sp>
+        <p:nvSpPr>
+          <p:cNvPr id="3" name="Content Placeholder 2"/>
+          <p:cNvSpPr>
+            <a:spLocks noGrp="1"/>
+          </p:cNvSpPr>
+          <p:nvPr>
+            <p:ph idx="1"/>
+          </p:nvPr>
+        </p:nvSpPr>
+        <p:spPr>
+          <a:xfrm>
+            <a:off x="110836" y="817418"/>
+            <a:ext cx="11242964" cy="5791200"/>
+          </a:xfrm>
+        </p:spPr>
+        <p:txBody>
+          <a:bodyPr/>
+          <a:lstStyle/>
+          <a:p>
+            <a:pPr marL="0" indent="0">
+              <a:buNone/>
+            </a:pPr>
+            <a:r>
+              <a:rPr lang="en-US" sz="1800" b="1" dirty="0"/>
+              <a:t>&lt;script type=“text/</a:t>
+            </a:r>
+            <a:r>
+              <a:rPr lang="en-US" sz="1800" b="1" dirty="0" err="1"/>
+              <a:t>javascript</a:t>
+            </a:r>
+            <a:r>
+              <a:rPr lang="en-US" sz="1800" b="1" dirty="0" smtClean="0"/>
+              <a:t>”&gt;</a:t>
+            </a:r>
+          </a:p>
+          <a:p>
+            <a:pPr marL="457200" lvl="1" indent="0">
+              <a:buNone/>
+            </a:pPr>
+            <a:r>
+              <a:rPr lang="en-US" sz="1600" b="1" dirty="0" err="1"/>
+              <a:t>var</a:t>
+            </a:r>
+            <a:r>
+              <a:rPr lang="en-US" sz="1600" b="1" dirty="0"/>
+              <a:t> c = </a:t>
+            </a:r>
+            <a:r>
+              <a:rPr lang="en-US" sz="1600" b="1" dirty="0" err="1"/>
+              <a:t>document.getElementById</a:t>
+            </a:r>
+            <a:r>
+              <a:rPr lang="en-US" sz="1600" b="1" dirty="0"/>
+              <a:t>("</a:t>
+            </a:r>
+            <a:r>
+              <a:rPr lang="en-US" sz="1600" b="1" dirty="0" err="1"/>
+              <a:t>myCanvas</a:t>
+            </a:r>
+            <a:r>
+              <a:rPr lang="en-US" sz="1600" b="1" dirty="0"/>
+              <a:t>");</a:t>
+            </a:r>
+            <a:r>
+              <a:rPr lang="en-US" sz="1600" b="1" dirty="0"/>
+              <a:t/>
+            </a:r>
+            <a:br>
+              <a:rPr lang="en-US" sz="1600" b="1" dirty="0"/>
+            </a:br>
+            <a:r>
+              <a:rPr lang="en-US" sz="1600" b="1" dirty="0" err="1"/>
+              <a:t>var</a:t>
+            </a:r>
+            <a:r>
+              <a:rPr lang="en-US" sz="1600" b="1" dirty="0"/>
+              <a:t> </a:t>
+            </a:r>
+            <a:r>
+              <a:rPr lang="en-US" sz="1600" b="1" dirty="0" err="1"/>
+              <a:t>ctx</a:t>
+            </a:r>
+            <a:r>
+              <a:rPr lang="en-US" sz="1600" b="1" dirty="0"/>
+              <a:t> = </a:t>
+            </a:r>
+            <a:r>
+              <a:rPr lang="en-US" sz="1600" b="1" dirty="0" err="1"/>
+              <a:t>c.getContext</a:t>
+            </a:r>
+            <a:r>
+              <a:rPr lang="en-US" sz="1600" b="1" dirty="0"/>
+              <a:t>("2d");</a:t>
+            </a:r>
+            <a:r>
+              <a:rPr lang="en-US" sz="1600" b="1" dirty="0"/>
+              <a:t/>
+            </a:r>
+            <a:br>
+              <a:rPr lang="en-US" sz="1600" b="1" dirty="0"/>
+            </a:br>
+            <a:r>
+              <a:rPr lang="en-US" sz="1600" b="1" dirty="0" err="1"/>
+              <a:t>ctx.beginPath</a:t>
+            </a:r>
+            <a:r>
+              <a:rPr lang="en-US" sz="1600" b="1" dirty="0"/>
+              <a:t>();</a:t>
+            </a:r>
+            <a:r>
+              <a:rPr lang="en-US" sz="1600" b="1" dirty="0"/>
+              <a:t/>
+            </a:r>
+            <a:br>
+              <a:rPr lang="en-US" sz="1600" b="1" dirty="0"/>
+            </a:br>
+            <a:r>
+              <a:rPr lang="en-US" sz="1600" b="1" dirty="0"/>
+              <a:t>ctx.arc(95,50,40,0,2*</a:t>
+            </a:r>
+            <a:r>
+              <a:rPr lang="en-US" sz="1600" b="1" dirty="0" err="1"/>
+              <a:t>Math.PI</a:t>
+            </a:r>
+            <a:r>
+              <a:rPr lang="en-US" sz="1600" b="1" dirty="0" smtClean="0"/>
+              <a:t>); </a:t>
+            </a:r>
+            <a:r>
+              <a:rPr lang="en-US" sz="1600" b="1" dirty="0" smtClean="0">
+                <a:solidFill>
+                  <a:schemeClr val="accent6"/>
+                </a:solidFill>
+              </a:rPr>
+              <a:t>// </a:t>
+            </a:r>
+            <a:r>
+              <a:rPr lang="en-US" sz="1600" b="1" dirty="0" err="1" smtClean="0">
+                <a:solidFill>
+                  <a:schemeClr val="accent6"/>
+                </a:solidFill>
+              </a:rPr>
+              <a:t>x,y,r,start</a:t>
+            </a:r>
+            <a:r>
+              <a:rPr lang="en-US" sz="1600" b="1" dirty="0" err="1">
+                <a:solidFill>
+                  <a:schemeClr val="accent6"/>
+                </a:solidFill>
+              </a:rPr>
+              <a:t>,</a:t>
+            </a:r>
+            <a:r>
+              <a:rPr lang="en-US" sz="1600" b="1" dirty="0" err="1" smtClean="0">
+                <a:solidFill>
+                  <a:schemeClr val="accent6"/>
+                </a:solidFill>
+              </a:rPr>
+              <a:t>stop</a:t>
+            </a:r>
+            <a:r>
+              <a:rPr lang="en-US" sz="1600" b="1" dirty="0"/>
+              <a:t/>
+            </a:r>
+            <a:br>
+              <a:rPr lang="en-US" sz="1600" b="1" dirty="0"/>
+            </a:br>
+            <a:r>
+              <a:rPr lang="en-US" sz="1600" b="1" dirty="0" err="1"/>
+              <a:t>ctx.stroke</a:t>
+            </a:r>
+            <a:r>
+              <a:rPr lang="en-US" sz="1600" b="1" dirty="0"/>
+              <a:t>();</a:t>
+            </a:r>
+            <a:endParaRPr lang="en-US" sz="1600" b="1" dirty="0"/>
+          </a:p>
+          <a:p>
+            <a:pPr marL="0" indent="0">
+              <a:buNone/>
+            </a:pPr>
+            <a:r>
+              <a:rPr lang="en-US" sz="1800" b="1" dirty="0" smtClean="0"/>
+              <a:t>&lt;/</a:t>
+            </a:r>
+            <a:r>
+              <a:rPr lang="en-US" sz="1800" b="1" dirty="0"/>
+              <a:t>script</a:t>
+            </a:r>
+            <a:r>
+              <a:rPr lang="en-US" sz="1800" b="1" dirty="0" smtClean="0"/>
+              <a:t>&gt;</a:t>
+            </a:r>
+          </a:p>
+          <a:p>
+            <a:pPr marL="0" indent="0">
+              <a:buNone/>
+            </a:pPr>
+            <a:endParaRPr lang="en-US" sz="1800" b="1" dirty="0"/>
+          </a:p>
+          <a:p>
+            <a:pPr marL="0" indent="0">
+              <a:buNone/>
+            </a:pPr>
+            <a:r>
+              <a:rPr lang="en-US" sz="1800" b="1" dirty="0" err="1" smtClean="0"/>
+              <a:t>Une</a:t>
+            </a:r>
+            <a:r>
+              <a:rPr lang="en-US" sz="1800" b="1" dirty="0" smtClean="0"/>
+              <a:t> explication </a:t>
+            </a:r>
+            <a:r>
+              <a:rPr lang="en-US" sz="1800" b="1" dirty="0" err="1" smtClean="0"/>
+              <a:t>profondis</a:t>
+            </a:r>
+            <a:r>
+              <a:rPr lang="en-US" sz="1800" b="1" dirty="0" smtClean="0"/>
+              <a:t> </a:t>
+            </a:r>
+            <a:r>
+              <a:rPr lang="en-US" sz="1800" b="1" dirty="0" err="1" smtClean="0"/>
+              <a:t>sur</a:t>
+            </a:r>
+            <a:r>
+              <a:rPr lang="en-US" sz="1800" b="1" dirty="0" smtClean="0"/>
+              <a:t> le canvas </a:t>
+            </a:r>
+            <a:r>
+              <a:rPr lang="en-US" sz="1800" b="1" dirty="0" err="1" smtClean="0"/>
+              <a:t>dans</a:t>
+            </a:r>
+            <a:r>
+              <a:rPr lang="en-US" sz="1800" b="1" dirty="0" smtClean="0"/>
+              <a:t> le fishier power point du ‘</a:t>
+            </a:r>
+            <a:r>
+              <a:rPr lang="fr-BE" sz="1800" b="1" dirty="0" smtClean="0"/>
+              <a:t>Un Jeu en </a:t>
+            </a:r>
+            <a:r>
+              <a:rPr lang="fr-BE" sz="1800" b="1" dirty="0" err="1" smtClean="0"/>
+              <a:t>canvas</a:t>
+            </a:r>
+            <a:r>
+              <a:rPr lang="en-US" sz="1800" b="1" dirty="0" smtClean="0"/>
+              <a:t>’</a:t>
+            </a:r>
+            <a:endParaRPr lang="en-US" sz="1800" b="1" dirty="0"/>
+          </a:p>
+        </p:txBody>
+      </p:sp>
+      <p:pic>
+        <p:nvPicPr>
+          <p:cNvPr id="4" name="Picture 3"/>
+          <p:cNvPicPr>
+            <a:picLocks noChangeAspect="1"/>
+          </p:cNvPicPr>
+          <p:nvPr/>
+        </p:nvPicPr>
+        <p:blipFill>
+          <a:blip r:embed="rId2">
+            <a:extLst>
+              <a:ext uri="{28A0092B-C50C-407E-A947-70E740481C1C}">
+                <a14:useLocalDpi xmlns:a14="http://schemas.microsoft.com/office/drawing/2010/main" val="0"/>
+              </a:ext>
+            </a:extLst>
+          </a:blip>
+          <a:stretch>
+            <a:fillRect/>
+          </a:stretch>
+        </p:blipFill>
+        <p:spPr>
+          <a:xfrm>
+            <a:off x="6563883" y="817418"/>
+            <a:ext cx="2029108" cy="1038370"/>
+          </a:xfrm>
+          <a:prstGeom prst="rect">
+            <a:avLst/>
+          </a:prstGeom>
+        </p:spPr>
+      </p:pic>
+    </p:spTree>
+    <p:extLst>
+      <p:ext uri="{BB962C8B-B14F-4D97-AF65-F5344CB8AC3E}">
+        <p14:creationId xmlns:p14="http://schemas.microsoft.com/office/powerpoint/2010/main" val="1950415104"/>
+      </p:ext>
+    </p:extLst>
+  </p:cSld>
+  <p:clrMapOvr>
+    <a:masterClrMapping/>
+  </p:clrMapOvr>
+</p:sld>
+</file>
+
+<file path=ppt/slides/slide12.xml><?xml version="1.0" encoding="utf-8"?>
+<p:sld xmlns:a="http://schemas.openxmlformats.org/drawingml/2006/main" xmlns:r="http://schemas.openxmlformats.org/officeDocument/2006/relationships" xmlns:p="http://schemas.openxmlformats.org/presentationml/2006/main">
+  <p:cSld>
+    <p:spTree>
+      <p:nvGrpSpPr>
+        <p:cNvPr id="1" name=""/>
+        <p:cNvGrpSpPr/>
+        <p:nvPr/>
+      </p:nvGrpSpPr>
+      <p:grpSpPr>
+        <a:xfrm>
+          <a:off x="0" y="0"/>
+          <a:ext cx="0" cy="0"/>
+          <a:chOff x="0" y="0"/>
+          <a:chExt cx="0" cy="0"/>
+        </a:xfrm>
+      </p:grpSpPr>
+    </p:spTree>
+    <p:extLst>
+      <p:ext uri="{BB962C8B-B14F-4D97-AF65-F5344CB8AC3E}">
+        <p14:creationId xmlns:p14="http://schemas.microsoft.com/office/powerpoint/2010/main" val="613915871"/>
+      </p:ext>
+    </p:extLst>
+  </p:cSld>
+  <p:clrMapOvr>
+    <a:masterClrMapping/>
+  </p:clrMapOvr>
+</p:sld>
+</file>
+
 <file path=ppt/slides/slide2.xml><?xml version="1.0" encoding="utf-8"?>
 <p:sld xmlns:a="http://schemas.openxmlformats.org/drawingml/2006/main" xmlns:r="http://schemas.openxmlformats.org/officeDocument/2006/relationships" xmlns:p="http://schemas.openxmlformats.org/presentationml/2006/main">
   <p:cSld>
@@ -3677,6 +5004,1679 @@
     <p:extLst>
       <p:ext uri="{BB962C8B-B14F-4D97-AF65-F5344CB8AC3E}">
         <p14:creationId xmlns:p14="http://schemas.microsoft.com/office/powerpoint/2010/main" val="4109081804"/>
+      </p:ext>
+    </p:extLst>
+  </p:cSld>
+  <p:clrMapOvr>
+    <a:masterClrMapping/>
+  </p:clrMapOvr>
+</p:sld>
+</file>
+
+<file path=ppt/slides/slide5.xml><?xml version="1.0" encoding="utf-8"?>
+<p:sld xmlns:a="http://schemas.openxmlformats.org/drawingml/2006/main" xmlns:r="http://schemas.openxmlformats.org/officeDocument/2006/relationships" xmlns:p="http://schemas.openxmlformats.org/presentationml/2006/main">
+  <p:cSld>
+    <p:spTree>
+      <p:nvGrpSpPr>
+        <p:cNvPr id="1" name=""/>
+        <p:cNvGrpSpPr/>
+        <p:nvPr/>
+      </p:nvGrpSpPr>
+      <p:grpSpPr>
+        <a:xfrm>
+          <a:off x="0" y="0"/>
+          <a:ext cx="0" cy="0"/>
+          <a:chOff x="0" y="0"/>
+          <a:chExt cx="0" cy="0"/>
+        </a:xfrm>
+      </p:grpSpPr>
+      <p:sp>
+        <p:nvSpPr>
+          <p:cNvPr id="2" name="Title 1"/>
+          <p:cNvSpPr>
+            <a:spLocks noGrp="1"/>
+          </p:cNvSpPr>
+          <p:nvPr>
+            <p:ph type="title"/>
+          </p:nvPr>
+        </p:nvSpPr>
+        <p:spPr/>
+        <p:txBody>
+          <a:bodyPr/>
+          <a:lstStyle/>
+          <a:p>
+            <a:r>
+              <a:rPr lang="fr-FR" u="sng" dirty="0" smtClean="0"/>
+              <a:t>Les inputs</a:t>
+            </a:r>
+            <a:endParaRPr lang="fr-FR" u="sng" dirty="0"/>
+          </a:p>
+        </p:txBody>
+      </p:sp>
+      <p:sp>
+        <p:nvSpPr>
+          <p:cNvPr id="3" name="Content Placeholder 2"/>
+          <p:cNvSpPr>
+            <a:spLocks noGrp="1"/>
+          </p:cNvSpPr>
+          <p:nvPr>
+            <p:ph idx="1"/>
+          </p:nvPr>
+        </p:nvSpPr>
+        <p:spPr/>
+        <p:txBody>
+          <a:bodyPr>
+            <a:normAutofit/>
+          </a:bodyPr>
+          <a:lstStyle/>
+          <a:p>
+            <a:pPr marL="0" indent="0">
+              <a:buNone/>
+            </a:pPr>
+            <a:r>
+              <a:rPr lang="fr-FR" sz="1800" dirty="0" smtClean="0"/>
+              <a:t>Les inputs en html5 contient des nouvelles types on récites :</a:t>
+            </a:r>
+          </a:p>
+          <a:p>
+            <a:r>
+              <a:rPr lang="fr-FR" sz="1800" dirty="0" smtClean="0"/>
+              <a:t> email :&lt;input type=‘email’ value=‘b@b.com’ /&gt;</a:t>
+            </a:r>
+          </a:p>
+          <a:p>
+            <a:r>
+              <a:rPr lang="fr-FR" sz="1800" dirty="0" err="1"/>
+              <a:t>c</a:t>
+            </a:r>
+            <a:r>
+              <a:rPr lang="fr-FR" sz="1800" dirty="0" err="1" smtClean="0"/>
+              <a:t>olor</a:t>
+            </a:r>
+            <a:r>
+              <a:rPr lang="fr-FR" sz="1800" dirty="0" smtClean="0"/>
+              <a:t> :</a:t>
+            </a:r>
+            <a:r>
+              <a:rPr lang="fr-FR" sz="1800" dirty="0"/>
+              <a:t>&lt;input type</a:t>
+            </a:r>
+            <a:r>
+              <a:rPr lang="fr-FR" sz="1800" dirty="0" smtClean="0"/>
+              <a:t>=‘</a:t>
+            </a:r>
+            <a:r>
+              <a:rPr lang="fr-FR" sz="1800" dirty="0" err="1" smtClean="0"/>
+              <a:t>color</a:t>
+            </a:r>
+            <a:r>
+              <a:rPr lang="fr-FR" sz="1800" dirty="0" smtClean="0"/>
+              <a:t>’ </a:t>
+            </a:r>
+            <a:r>
+              <a:rPr lang="fr-FR" sz="1800" dirty="0"/>
+              <a:t>value</a:t>
+            </a:r>
+            <a:r>
+              <a:rPr lang="fr-FR" sz="1800" dirty="0" smtClean="0"/>
+              <a:t>=‘#FFFFFF’ /&gt;</a:t>
+            </a:r>
+          </a:p>
+          <a:p>
+            <a:r>
+              <a:rPr lang="fr-FR" sz="1800" dirty="0" err="1"/>
+              <a:t>n</a:t>
+            </a:r>
+            <a:r>
+              <a:rPr lang="fr-FR" sz="1800" dirty="0" err="1" smtClean="0"/>
+              <a:t>umber</a:t>
+            </a:r>
+            <a:r>
+              <a:rPr lang="fr-FR" sz="1800" dirty="0" smtClean="0"/>
+              <a:t> </a:t>
+            </a:r>
+            <a:r>
+              <a:rPr lang="fr-FR" sz="1800" dirty="0"/>
+              <a:t>:&lt;input type</a:t>
+            </a:r>
+            <a:r>
+              <a:rPr lang="fr-FR" sz="1800" dirty="0" smtClean="0"/>
+              <a:t>=‘</a:t>
+            </a:r>
+            <a:r>
+              <a:rPr lang="fr-FR" sz="1800" dirty="0" err="1" smtClean="0"/>
+              <a:t>number</a:t>
+            </a:r>
+            <a:r>
+              <a:rPr lang="fr-FR" sz="1800" dirty="0" smtClean="0"/>
+              <a:t>’ </a:t>
+            </a:r>
+            <a:r>
+              <a:rPr lang="fr-FR" sz="1800" dirty="0"/>
+              <a:t>value</a:t>
+            </a:r>
+            <a:r>
+              <a:rPr lang="fr-FR" sz="1800" dirty="0" smtClean="0"/>
+              <a:t>=</a:t>
+            </a:r>
+            <a:r>
+              <a:rPr lang="fr-FR" sz="1800" dirty="0" smtClean="0"/>
+              <a:t>’3’ min=‘1’ max=‘7’ </a:t>
+            </a:r>
+            <a:r>
+              <a:rPr lang="fr-FR" sz="1800" dirty="0" err="1" smtClean="0"/>
+              <a:t>step</a:t>
+            </a:r>
+            <a:r>
+              <a:rPr lang="fr-FR" sz="1800" dirty="0" smtClean="0"/>
+              <a:t>=‘1’ </a:t>
+            </a:r>
+            <a:r>
+              <a:rPr lang="fr-FR" sz="1800" dirty="0" smtClean="0"/>
+              <a:t>/&gt;</a:t>
+            </a:r>
+          </a:p>
+          <a:p>
+            <a:pPr marL="0" indent="0">
+              <a:buNone/>
+            </a:pPr>
+            <a:endParaRPr lang="fr-FR" sz="1800" dirty="0" smtClean="0"/>
+          </a:p>
+          <a:p>
+            <a:pPr marL="0" indent="0">
+              <a:buNone/>
+            </a:pPr>
+            <a:r>
+              <a:rPr lang="fr-FR" sz="1800" dirty="0" smtClean="0"/>
+              <a:t>L’</a:t>
+            </a:r>
+            <a:r>
+              <a:rPr lang="fr-FR" sz="1800" dirty="0" err="1" smtClean="0"/>
+              <a:t>atribut</a:t>
+            </a:r>
+            <a:r>
+              <a:rPr lang="fr-FR" sz="1800" dirty="0" smtClean="0"/>
+              <a:t> </a:t>
+            </a:r>
+            <a:r>
+              <a:rPr lang="fr-FR" sz="1800" b="1" dirty="0" err="1" smtClean="0"/>
+              <a:t>Placeholder</a:t>
+            </a:r>
+            <a:r>
+              <a:rPr lang="fr-FR" sz="1800" dirty="0" smtClean="0"/>
+              <a:t> qui joue le rôle d’une message </a:t>
+            </a:r>
+            <a:r>
+              <a:rPr lang="fr-FR" sz="1800" dirty="0" smtClean="0"/>
+              <a:t>default</a:t>
+            </a:r>
+          </a:p>
+          <a:p>
+            <a:pPr marL="0" indent="0">
+              <a:buNone/>
+            </a:pPr>
+            <a:r>
+              <a:rPr lang="fr-FR" sz="1800" dirty="0" smtClean="0"/>
+              <a:t>Ex :</a:t>
+            </a:r>
+            <a:r>
+              <a:rPr lang="fr-FR" sz="1800" dirty="0"/>
+              <a:t> </a:t>
+            </a:r>
+            <a:r>
+              <a:rPr lang="fr-FR" sz="1800" dirty="0" smtClean="0"/>
+              <a:t>&lt;</a:t>
+            </a:r>
+            <a:r>
+              <a:rPr lang="fr-FR" sz="1800" dirty="0" smtClean="0"/>
+              <a:t>input type=‘</a:t>
+            </a:r>
+            <a:r>
+              <a:rPr lang="fr-FR" sz="1800" dirty="0" err="1" smtClean="0"/>
+              <a:t>text</a:t>
+            </a:r>
+            <a:r>
+              <a:rPr lang="fr-FR" sz="1800" dirty="0" smtClean="0"/>
+              <a:t>’ </a:t>
+            </a:r>
+            <a:r>
+              <a:rPr lang="fr-FR" sz="1800" dirty="0" err="1" smtClean="0"/>
+              <a:t>placeholder</a:t>
+            </a:r>
+            <a:r>
+              <a:rPr lang="fr-FR" sz="1800" dirty="0" smtClean="0"/>
+              <a:t>=‘entrer votre email’ /&gt;</a:t>
+            </a:r>
+            <a:endParaRPr lang="fr-FR" sz="1800" dirty="0"/>
+          </a:p>
+          <a:p>
+            <a:r>
+              <a:rPr lang="fr-FR" sz="1800" dirty="0" smtClean="0"/>
+              <a:t>L’</a:t>
+            </a:r>
+            <a:r>
+              <a:rPr lang="fr-FR" sz="1800" dirty="0" err="1" smtClean="0"/>
+              <a:t>atribut</a:t>
+            </a:r>
+            <a:r>
+              <a:rPr lang="fr-FR" sz="1800" dirty="0" smtClean="0"/>
+              <a:t> </a:t>
+            </a:r>
+            <a:r>
+              <a:rPr lang="fr-FR" sz="1800" b="1" dirty="0" smtClean="0"/>
+              <a:t>Pattern </a:t>
+            </a:r>
+            <a:r>
+              <a:rPr lang="fr-FR" sz="1800" dirty="0" smtClean="0"/>
+              <a:t>qui est utilisée pour </a:t>
+            </a:r>
+            <a:r>
+              <a:rPr lang="fr-FR" sz="1800" dirty="0" err="1" smtClean="0"/>
+              <a:t>specifier</a:t>
+            </a:r>
+            <a:r>
+              <a:rPr lang="fr-FR" sz="1800" dirty="0" smtClean="0"/>
+              <a:t> un </a:t>
+            </a:r>
+            <a:r>
+              <a:rPr lang="fr-FR" sz="1800" dirty="0" err="1" smtClean="0"/>
+              <a:t>regex</a:t>
+            </a:r>
+            <a:r>
+              <a:rPr lang="fr-FR" sz="1800" dirty="0" smtClean="0"/>
+              <a:t> sur l’input</a:t>
+            </a:r>
+          </a:p>
+          <a:p>
+            <a:pPr marL="0" indent="0">
+              <a:buNone/>
+            </a:pPr>
+            <a:r>
+              <a:rPr lang="fr-FR" sz="1800" dirty="0" smtClean="0"/>
+              <a:t>Ex :</a:t>
+            </a:r>
+            <a:r>
+              <a:rPr lang="en-US" sz="1800" dirty="0"/>
+              <a:t>&lt;input type="text" name="</a:t>
+            </a:r>
+            <a:r>
+              <a:rPr lang="en-US" sz="1800" dirty="0" err="1"/>
+              <a:t>country_code</a:t>
+            </a:r>
+            <a:r>
+              <a:rPr lang="en-US" sz="1800" dirty="0"/>
+              <a:t>" pattern="[A-</a:t>
+            </a:r>
+            <a:r>
+              <a:rPr lang="en-US" sz="1800" dirty="0" err="1"/>
+              <a:t>Za</a:t>
+            </a:r>
+            <a:r>
+              <a:rPr lang="en-US" sz="1800" dirty="0"/>
+              <a:t>-z]{3}" title="Three letter country code</a:t>
+            </a:r>
+            <a:r>
+              <a:rPr lang="en-US" sz="1800" dirty="0" smtClean="0"/>
+              <a:t>"&gt;</a:t>
+            </a:r>
+            <a:endParaRPr lang="fr-FR" sz="1800" dirty="0"/>
+          </a:p>
+        </p:txBody>
+      </p:sp>
+      <p:pic>
+        <p:nvPicPr>
+          <p:cNvPr id="4" name="Picture 3"/>
+          <p:cNvPicPr>
+            <a:picLocks noChangeAspect="1"/>
+          </p:cNvPicPr>
+          <p:nvPr/>
+        </p:nvPicPr>
+        <p:blipFill>
+          <a:blip r:embed="rId2">
+            <a:extLst>
+              <a:ext uri="{28A0092B-C50C-407E-A947-70E740481C1C}">
+                <a14:useLocalDpi xmlns:a14="http://schemas.microsoft.com/office/drawing/2010/main" val="0"/>
+              </a:ext>
+            </a:extLst>
+          </a:blip>
+          <a:stretch>
+            <a:fillRect/>
+          </a:stretch>
+        </p:blipFill>
+        <p:spPr>
+          <a:xfrm>
+            <a:off x="6619097" y="135056"/>
+            <a:ext cx="5572903" cy="2661907"/>
+          </a:xfrm>
+          <a:prstGeom prst="rect">
+            <a:avLst/>
+          </a:prstGeom>
+        </p:spPr>
+      </p:pic>
+      <p:pic>
+        <p:nvPicPr>
+          <p:cNvPr id="5" name="Picture 4"/>
+          <p:cNvPicPr>
+            <a:picLocks noChangeAspect="1"/>
+          </p:cNvPicPr>
+          <p:nvPr/>
+        </p:nvPicPr>
+        <p:blipFill>
+          <a:blip r:embed="rId3">
+            <a:extLst>
+              <a:ext uri="{28A0092B-C50C-407E-A947-70E740481C1C}">
+                <a14:useLocalDpi xmlns:a14="http://schemas.microsoft.com/office/drawing/2010/main" val="0"/>
+              </a:ext>
+            </a:extLst>
+          </a:blip>
+          <a:stretch>
+            <a:fillRect/>
+          </a:stretch>
+        </p:blipFill>
+        <p:spPr>
+          <a:xfrm>
+            <a:off x="7909914" y="3027032"/>
+            <a:ext cx="1495634" cy="285790"/>
+          </a:xfrm>
+          <a:prstGeom prst="rect">
+            <a:avLst/>
+          </a:prstGeom>
+        </p:spPr>
+      </p:pic>
+    </p:spTree>
+    <p:extLst>
+      <p:ext uri="{BB962C8B-B14F-4D97-AF65-F5344CB8AC3E}">
+        <p14:creationId xmlns:p14="http://schemas.microsoft.com/office/powerpoint/2010/main" val="2323821814"/>
+      </p:ext>
+    </p:extLst>
+  </p:cSld>
+  <p:clrMapOvr>
+    <a:masterClrMapping/>
+  </p:clrMapOvr>
+</p:sld>
+</file>
+
+<file path=ppt/slides/slide6.xml><?xml version="1.0" encoding="utf-8"?>
+<p:sld xmlns:a="http://schemas.openxmlformats.org/drawingml/2006/main" xmlns:r="http://schemas.openxmlformats.org/officeDocument/2006/relationships" xmlns:p="http://schemas.openxmlformats.org/presentationml/2006/main">
+  <p:cSld>
+    <p:spTree>
+      <p:nvGrpSpPr>
+        <p:cNvPr id="1" name=""/>
+        <p:cNvGrpSpPr/>
+        <p:nvPr/>
+      </p:nvGrpSpPr>
+      <p:grpSpPr>
+        <a:xfrm>
+          <a:off x="0" y="0"/>
+          <a:ext cx="0" cy="0"/>
+          <a:chOff x="0" y="0"/>
+          <a:chExt cx="0" cy="0"/>
+        </a:xfrm>
+      </p:grpSpPr>
+      <p:sp>
+        <p:nvSpPr>
+          <p:cNvPr id="2" name="Title 1"/>
+          <p:cNvSpPr>
+            <a:spLocks noGrp="1"/>
+          </p:cNvSpPr>
+          <p:nvPr>
+            <p:ph type="title"/>
+          </p:nvPr>
+        </p:nvSpPr>
+        <p:spPr/>
+        <p:txBody>
+          <a:bodyPr/>
+          <a:lstStyle/>
+          <a:p>
+            <a:r>
+              <a:rPr lang="fr-FR" u="sng" dirty="0" smtClean="0"/>
+              <a:t>Local </a:t>
+            </a:r>
+            <a:r>
+              <a:rPr lang="fr-FR" u="sng" dirty="0" err="1" smtClean="0"/>
+              <a:t>storage</a:t>
+            </a:r>
+            <a:endParaRPr lang="fr-FR" u="sng" dirty="0"/>
+          </a:p>
+        </p:txBody>
+      </p:sp>
+      <p:sp>
+        <p:nvSpPr>
+          <p:cNvPr id="3" name="Content Placeholder 2"/>
+          <p:cNvSpPr>
+            <a:spLocks noGrp="1"/>
+          </p:cNvSpPr>
+          <p:nvPr>
+            <p:ph idx="1"/>
+          </p:nvPr>
+        </p:nvSpPr>
+        <p:spPr/>
+        <p:txBody>
+          <a:bodyPr>
+            <a:normAutofit/>
+          </a:bodyPr>
+          <a:lstStyle/>
+          <a:p>
+            <a:pPr marL="0" indent="0">
+              <a:buNone/>
+            </a:pPr>
+            <a:r>
+              <a:rPr lang="fr-FR" dirty="0" smtClean="0"/>
+              <a:t>Le local </a:t>
+            </a:r>
+            <a:r>
+              <a:rPr lang="fr-FR" dirty="0" err="1" smtClean="0"/>
+              <a:t>storage</a:t>
+            </a:r>
+            <a:r>
+              <a:rPr lang="fr-FR" dirty="0" smtClean="0"/>
+              <a:t> est nouvellement définie en HMTL5 comme étant un checkpoint ou un </a:t>
+            </a:r>
+            <a:r>
+              <a:rPr lang="fr-FR" dirty="0" err="1" smtClean="0"/>
+              <a:t>save</a:t>
+            </a:r>
+            <a:r>
+              <a:rPr lang="fr-FR" dirty="0" smtClean="0"/>
+              <a:t> .</a:t>
+            </a:r>
+          </a:p>
+          <a:p>
+            <a:pPr marL="0" indent="0">
+              <a:buNone/>
+            </a:pPr>
+            <a:r>
+              <a:rPr lang="fr-FR" dirty="0" smtClean="0"/>
+              <a:t>Le local </a:t>
+            </a:r>
+            <a:r>
+              <a:rPr lang="fr-FR" dirty="0" err="1" smtClean="0"/>
+              <a:t>storage</a:t>
+            </a:r>
+            <a:r>
+              <a:rPr lang="fr-FR" dirty="0" smtClean="0"/>
+              <a:t> rappel le choix que tu a mis </a:t>
+            </a:r>
+          </a:p>
+          <a:p>
+            <a:pPr marL="0" indent="0">
+              <a:buNone/>
+            </a:pPr>
+            <a:r>
+              <a:rPr lang="fr-FR" dirty="0" smtClean="0"/>
+              <a:t>Le local </a:t>
+            </a:r>
+            <a:r>
+              <a:rPr lang="fr-FR" dirty="0" err="1" smtClean="0"/>
+              <a:t>storage</a:t>
+            </a:r>
+            <a:r>
+              <a:rPr lang="fr-FR" dirty="0" smtClean="0"/>
+              <a:t> joue </a:t>
+            </a:r>
+            <a:r>
+              <a:rPr lang="fr-FR" dirty="0" smtClean="0"/>
+              <a:t>un</a:t>
+            </a:r>
+            <a:r>
+              <a:rPr lang="fr-FR" dirty="0" smtClean="0"/>
+              <a:t> </a:t>
+            </a:r>
+            <a:r>
+              <a:rPr lang="fr-FR" dirty="0" err="1" smtClean="0"/>
+              <a:t>role</a:t>
+            </a:r>
+            <a:r>
+              <a:rPr lang="fr-FR" dirty="0" smtClean="0"/>
+              <a:t> </a:t>
+            </a:r>
+            <a:r>
+              <a:rPr lang="fr-FR" dirty="0" smtClean="0"/>
+              <a:t>comme le </a:t>
+            </a:r>
+            <a:r>
+              <a:rPr lang="fr-FR" dirty="0" smtClean="0"/>
+              <a:t>cookie </a:t>
+            </a:r>
+          </a:p>
+          <a:p>
+            <a:pPr marL="0" indent="0">
+              <a:buNone/>
+            </a:pPr>
+            <a:r>
+              <a:rPr lang="fr-FR" dirty="0" smtClean="0"/>
+              <a:t>Le local </a:t>
+            </a:r>
+            <a:r>
+              <a:rPr lang="fr-FR" dirty="0" err="1" smtClean="0"/>
+              <a:t>storage</a:t>
+            </a:r>
+            <a:r>
+              <a:rPr lang="fr-FR" dirty="0" smtClean="0"/>
+              <a:t> est définie comme clé valeur ex :    </a:t>
+            </a:r>
+            <a:endParaRPr lang="fr-FR" dirty="0" smtClean="0"/>
+          </a:p>
+          <a:p>
+            <a:pPr marL="0" indent="0">
+              <a:buNone/>
+            </a:pPr>
+            <a:r>
+              <a:rPr lang="en-US" sz="1800" b="1" dirty="0" smtClean="0">
+                <a:solidFill>
+                  <a:schemeClr val="accent6"/>
+                </a:solidFill>
+              </a:rPr>
+              <a:t>// </a:t>
+            </a:r>
+            <a:r>
+              <a:rPr lang="en-US" sz="1800" b="1" dirty="0">
+                <a:solidFill>
+                  <a:schemeClr val="accent6"/>
+                </a:solidFill>
+              </a:rPr>
+              <a:t>Store</a:t>
+            </a:r>
+            <a:r>
+              <a:rPr lang="en-US" sz="1800" b="1" dirty="0"/>
+              <a:t/>
+            </a:r>
+            <a:br>
+              <a:rPr lang="en-US" sz="1800" b="1" dirty="0"/>
+            </a:br>
+            <a:r>
+              <a:rPr lang="en-US" sz="1800" b="1" dirty="0" err="1"/>
+              <a:t>localStorage.setItem</a:t>
+            </a:r>
+            <a:r>
+              <a:rPr lang="en-US" sz="1800" b="1" dirty="0"/>
+              <a:t>("</a:t>
+            </a:r>
+            <a:r>
+              <a:rPr lang="en-US" sz="1800" b="1" dirty="0" err="1"/>
+              <a:t>lastname</a:t>
+            </a:r>
+            <a:r>
+              <a:rPr lang="en-US" sz="1800" b="1" dirty="0"/>
+              <a:t>", "Smith");</a:t>
+            </a:r>
+            <a:r>
+              <a:rPr lang="en-US" sz="1800" b="1" dirty="0"/>
+              <a:t/>
+            </a:r>
+            <a:br>
+              <a:rPr lang="en-US" sz="1800" b="1" dirty="0"/>
+            </a:br>
+            <a:r>
+              <a:rPr lang="en-US" sz="1800" b="1" dirty="0">
+                <a:solidFill>
+                  <a:schemeClr val="accent6"/>
+                </a:solidFill>
+              </a:rPr>
+              <a:t>// Retrieve</a:t>
+            </a:r>
+            <a:r>
+              <a:rPr lang="en-US" sz="1800" b="1" dirty="0"/>
+              <a:t/>
+            </a:r>
+            <a:br>
+              <a:rPr lang="en-US" sz="1800" b="1" dirty="0"/>
+            </a:br>
+            <a:r>
+              <a:rPr lang="en-US" sz="1800" b="1" dirty="0" err="1"/>
+              <a:t>document.getElementById</a:t>
+            </a:r>
+            <a:r>
+              <a:rPr lang="en-US" sz="1800" b="1" dirty="0"/>
+              <a:t>("result").</a:t>
+            </a:r>
+            <a:r>
+              <a:rPr lang="en-US" sz="1800" b="1" dirty="0" err="1" smtClean="0"/>
+              <a:t>innerHTML</a:t>
+            </a:r>
+            <a:r>
+              <a:rPr lang="en-US" sz="1800" b="1" dirty="0" smtClean="0"/>
+              <a:t> </a:t>
+            </a:r>
+            <a:r>
+              <a:rPr lang="en-US" sz="1800" b="1" dirty="0"/>
+              <a:t>= </a:t>
+            </a:r>
+            <a:r>
+              <a:rPr lang="en-US" sz="1800" b="1" dirty="0" err="1"/>
+              <a:t>localStorage.getItem</a:t>
+            </a:r>
+            <a:r>
+              <a:rPr lang="en-US" sz="1800" b="1" dirty="0"/>
+              <a:t>("</a:t>
+            </a:r>
+            <a:r>
+              <a:rPr lang="en-US" sz="1800" b="1" dirty="0" err="1"/>
+              <a:t>lastname</a:t>
+            </a:r>
+            <a:r>
+              <a:rPr lang="en-US" sz="1800" b="1" dirty="0" smtClean="0"/>
+              <a:t>");</a:t>
+            </a:r>
+          </a:p>
+          <a:p>
+            <a:pPr marL="0" indent="0">
+              <a:buNone/>
+            </a:pPr>
+            <a:r>
+              <a:rPr lang="en-US" sz="1800" b="1" dirty="0" smtClean="0">
+                <a:solidFill>
+                  <a:schemeClr val="accent6"/>
+                </a:solidFill>
+              </a:rPr>
+              <a:t>// Remove</a:t>
+            </a:r>
+          </a:p>
+          <a:p>
+            <a:pPr marL="0" indent="0">
+              <a:buNone/>
+            </a:pPr>
+            <a:r>
+              <a:rPr lang="en-US" sz="1800" b="1" dirty="0" err="1"/>
+              <a:t>localStorage.removeItem</a:t>
+            </a:r>
+            <a:r>
+              <a:rPr lang="en-US" sz="1800" b="1" dirty="0"/>
+              <a:t>("</a:t>
+            </a:r>
+            <a:r>
+              <a:rPr lang="en-US" sz="1800" b="1" dirty="0" err="1"/>
+              <a:t>lastname</a:t>
+            </a:r>
+            <a:r>
+              <a:rPr lang="en-US" sz="1800" b="1" dirty="0"/>
+              <a:t>");</a:t>
+            </a:r>
+            <a:endParaRPr lang="fr-FR" sz="1800" b="1" dirty="0">
+              <a:solidFill>
+                <a:schemeClr val="accent6"/>
+              </a:solidFill>
+            </a:endParaRPr>
+          </a:p>
+        </p:txBody>
+      </p:sp>
+    </p:spTree>
+    <p:extLst>
+      <p:ext uri="{BB962C8B-B14F-4D97-AF65-F5344CB8AC3E}">
+        <p14:creationId xmlns:p14="http://schemas.microsoft.com/office/powerpoint/2010/main" val="2954234193"/>
+      </p:ext>
+    </p:extLst>
+  </p:cSld>
+  <p:clrMapOvr>
+    <a:masterClrMapping/>
+  </p:clrMapOvr>
+</p:sld>
+</file>
+
+<file path=ppt/slides/slide7.xml><?xml version="1.0" encoding="utf-8"?>
+<p:sld xmlns:a="http://schemas.openxmlformats.org/drawingml/2006/main" xmlns:r="http://schemas.openxmlformats.org/officeDocument/2006/relationships" xmlns:p="http://schemas.openxmlformats.org/presentationml/2006/main">
+  <p:cSld>
+    <p:spTree>
+      <p:nvGrpSpPr>
+        <p:cNvPr id="1" name=""/>
+        <p:cNvGrpSpPr/>
+        <p:nvPr/>
+      </p:nvGrpSpPr>
+      <p:grpSpPr>
+        <a:xfrm>
+          <a:off x="0" y="0"/>
+          <a:ext cx="0" cy="0"/>
+          <a:chOff x="0" y="0"/>
+          <a:chExt cx="0" cy="0"/>
+        </a:xfrm>
+      </p:grpSpPr>
+      <p:sp>
+        <p:nvSpPr>
+          <p:cNvPr id="4" name="Rectangle 3"/>
+          <p:cNvSpPr/>
+          <p:nvPr/>
+        </p:nvSpPr>
+        <p:spPr>
+          <a:xfrm>
+            <a:off x="95534" y="455137"/>
+            <a:ext cx="11969087" cy="4524315"/>
+          </a:xfrm>
+          <a:prstGeom prst="rect">
+            <a:avLst/>
+          </a:prstGeom>
+        </p:spPr>
+        <p:txBody>
+          <a:bodyPr wrap="square">
+            <a:spAutoFit/>
+          </a:bodyPr>
+          <a:lstStyle/>
+          <a:p>
+            <a:r>
+              <a:rPr lang="fr-FR" dirty="0"/>
+              <a:t>&lt;script&gt;</a:t>
+            </a:r>
+          </a:p>
+          <a:p>
+            <a:r>
+              <a:rPr lang="fr-FR" dirty="0" err="1"/>
+              <a:t>function</a:t>
+            </a:r>
+            <a:r>
+              <a:rPr lang="fr-FR" dirty="0"/>
+              <a:t> </a:t>
+            </a:r>
+            <a:r>
+              <a:rPr lang="fr-FR" dirty="0" err="1"/>
+              <a:t>clickCounter</a:t>
+            </a:r>
+            <a:r>
+              <a:rPr lang="fr-FR" dirty="0"/>
+              <a:t>() {</a:t>
+            </a:r>
+          </a:p>
+          <a:p>
+            <a:r>
+              <a:rPr lang="fr-FR" dirty="0"/>
+              <a:t>    if(</a:t>
+            </a:r>
+            <a:r>
+              <a:rPr lang="fr-FR" dirty="0" err="1"/>
+              <a:t>typeof</a:t>
+            </a:r>
+            <a:r>
+              <a:rPr lang="fr-FR" dirty="0"/>
+              <a:t>(Storage) !== "</a:t>
+            </a:r>
+            <a:r>
+              <a:rPr lang="fr-FR" dirty="0" err="1"/>
+              <a:t>undefined</a:t>
+            </a:r>
+            <a:r>
+              <a:rPr lang="fr-FR" dirty="0"/>
+              <a:t>") {</a:t>
+            </a:r>
+          </a:p>
+          <a:p>
+            <a:r>
+              <a:rPr lang="fr-FR" dirty="0"/>
+              <a:t>        if (</a:t>
+            </a:r>
+            <a:r>
+              <a:rPr lang="fr-FR" dirty="0" err="1"/>
+              <a:t>localStorage.clickcount</a:t>
+            </a:r>
+            <a:r>
+              <a:rPr lang="fr-FR" dirty="0"/>
+              <a:t>) {</a:t>
+            </a:r>
+          </a:p>
+          <a:p>
+            <a:r>
+              <a:rPr lang="fr-FR" dirty="0"/>
+              <a:t>            </a:t>
+            </a:r>
+            <a:r>
+              <a:rPr lang="fr-FR" dirty="0" err="1"/>
+              <a:t>localStorage.clickcount</a:t>
+            </a:r>
+            <a:r>
+              <a:rPr lang="fr-FR" dirty="0"/>
+              <a:t> = </a:t>
+            </a:r>
+            <a:r>
+              <a:rPr lang="fr-FR" dirty="0" err="1"/>
+              <a:t>Number</a:t>
+            </a:r>
+            <a:r>
+              <a:rPr lang="fr-FR" dirty="0"/>
+              <a:t>(</a:t>
+            </a:r>
+            <a:r>
+              <a:rPr lang="fr-FR" dirty="0" err="1"/>
+              <a:t>localStorage.clickcount</a:t>
+            </a:r>
+            <a:r>
+              <a:rPr lang="fr-FR" dirty="0"/>
+              <a:t>)+1;</a:t>
+            </a:r>
+          </a:p>
+          <a:p>
+            <a:r>
+              <a:rPr lang="fr-FR" dirty="0"/>
+              <a:t>        } </a:t>
+            </a:r>
+            <a:r>
+              <a:rPr lang="fr-FR" dirty="0" err="1"/>
+              <a:t>else</a:t>
+            </a:r>
+            <a:r>
+              <a:rPr lang="fr-FR" dirty="0"/>
+              <a:t> {</a:t>
+            </a:r>
+          </a:p>
+          <a:p>
+            <a:r>
+              <a:rPr lang="fr-FR" dirty="0"/>
+              <a:t>            </a:t>
+            </a:r>
+            <a:r>
+              <a:rPr lang="fr-FR" dirty="0" err="1"/>
+              <a:t>localStorage.clickcount</a:t>
+            </a:r>
+            <a:r>
+              <a:rPr lang="fr-FR" dirty="0"/>
+              <a:t> = 1;</a:t>
+            </a:r>
+          </a:p>
+          <a:p>
+            <a:r>
+              <a:rPr lang="fr-FR" dirty="0"/>
+              <a:t>        }</a:t>
+            </a:r>
+          </a:p>
+          <a:p>
+            <a:r>
+              <a:rPr lang="fr-FR" dirty="0"/>
+              <a:t>        </a:t>
+            </a:r>
+            <a:r>
+              <a:rPr lang="fr-FR" dirty="0" err="1"/>
+              <a:t>document.getElementById</a:t>
+            </a:r>
+            <a:r>
+              <a:rPr lang="fr-FR" dirty="0"/>
+              <a:t>("</a:t>
+            </a:r>
+            <a:r>
+              <a:rPr lang="fr-FR" dirty="0" err="1"/>
+              <a:t>result</a:t>
+            </a:r>
+            <a:r>
+              <a:rPr lang="fr-FR" dirty="0"/>
+              <a:t>").</a:t>
+            </a:r>
+            <a:r>
+              <a:rPr lang="fr-FR" dirty="0" err="1"/>
+              <a:t>innerHTML</a:t>
+            </a:r>
+            <a:r>
+              <a:rPr lang="fr-FR" dirty="0"/>
+              <a:t> = "You have </a:t>
+            </a:r>
+            <a:r>
+              <a:rPr lang="fr-FR" dirty="0" err="1"/>
+              <a:t>clicked</a:t>
+            </a:r>
+            <a:r>
+              <a:rPr lang="fr-FR" dirty="0"/>
+              <a:t> the </a:t>
+            </a:r>
+            <a:r>
+              <a:rPr lang="fr-FR" dirty="0" err="1"/>
+              <a:t>button</a:t>
+            </a:r>
+            <a:r>
+              <a:rPr lang="fr-FR" dirty="0"/>
+              <a:t> " + </a:t>
+            </a:r>
+            <a:r>
+              <a:rPr lang="fr-FR" dirty="0" err="1"/>
+              <a:t>localStorage.clickcount</a:t>
+            </a:r>
+            <a:r>
+              <a:rPr lang="fr-FR" dirty="0"/>
+              <a:t> + " time(s).";</a:t>
+            </a:r>
+          </a:p>
+          <a:p>
+            <a:r>
+              <a:rPr lang="fr-FR" dirty="0"/>
+              <a:t>    } </a:t>
+            </a:r>
+            <a:r>
+              <a:rPr lang="fr-FR" dirty="0" err="1"/>
+              <a:t>else</a:t>
+            </a:r>
+            <a:r>
+              <a:rPr lang="fr-FR" dirty="0"/>
+              <a:t> {</a:t>
+            </a:r>
+          </a:p>
+          <a:p>
+            <a:r>
+              <a:rPr lang="fr-FR" dirty="0"/>
+              <a:t>        </a:t>
+            </a:r>
+            <a:r>
+              <a:rPr lang="fr-FR" dirty="0" err="1"/>
+              <a:t>document.getElementById</a:t>
+            </a:r>
+            <a:r>
+              <a:rPr lang="fr-FR" dirty="0"/>
+              <a:t>("</a:t>
+            </a:r>
+            <a:r>
+              <a:rPr lang="fr-FR" dirty="0" err="1"/>
+              <a:t>result</a:t>
+            </a:r>
+            <a:r>
+              <a:rPr lang="fr-FR" dirty="0"/>
+              <a:t>").</a:t>
+            </a:r>
+            <a:r>
+              <a:rPr lang="fr-FR" dirty="0" err="1"/>
+              <a:t>innerHTML</a:t>
+            </a:r>
+            <a:r>
+              <a:rPr lang="fr-FR" dirty="0"/>
+              <a:t> = "</a:t>
+            </a:r>
+            <a:r>
+              <a:rPr lang="fr-FR" dirty="0" err="1"/>
+              <a:t>Sorry</a:t>
+            </a:r>
+            <a:r>
+              <a:rPr lang="fr-FR" dirty="0"/>
+              <a:t>, </a:t>
+            </a:r>
+            <a:r>
+              <a:rPr lang="fr-FR" dirty="0" err="1"/>
+              <a:t>your</a:t>
+            </a:r>
+            <a:r>
+              <a:rPr lang="fr-FR" dirty="0"/>
+              <a:t> browser </a:t>
+            </a:r>
+            <a:r>
+              <a:rPr lang="fr-FR" dirty="0" err="1"/>
+              <a:t>does</a:t>
+            </a:r>
+            <a:r>
+              <a:rPr lang="fr-FR" dirty="0"/>
+              <a:t> not support web </a:t>
+            </a:r>
+            <a:r>
+              <a:rPr lang="fr-FR" dirty="0" err="1"/>
+              <a:t>storage</a:t>
+            </a:r>
+            <a:r>
+              <a:rPr lang="fr-FR" dirty="0"/>
+              <a:t>...";</a:t>
+            </a:r>
+          </a:p>
+          <a:p>
+            <a:r>
+              <a:rPr lang="fr-FR" dirty="0"/>
+              <a:t>    }</a:t>
+            </a:r>
+          </a:p>
+          <a:p>
+            <a:r>
+              <a:rPr lang="fr-FR" dirty="0"/>
+              <a:t>}</a:t>
+            </a:r>
+          </a:p>
+          <a:p>
+            <a:r>
+              <a:rPr lang="fr-FR" dirty="0"/>
+              <a:t>&lt;/script</a:t>
+            </a:r>
+            <a:r>
+              <a:rPr lang="fr-FR" dirty="0" smtClean="0"/>
+              <a:t>&gt;</a:t>
+            </a:r>
+          </a:p>
+          <a:p>
+            <a:endParaRPr lang="fr-FR" dirty="0"/>
+          </a:p>
+          <a:p>
+            <a:r>
+              <a:rPr lang="fr-FR" dirty="0" smtClean="0"/>
+              <a:t>&lt;input type=‘</a:t>
+            </a:r>
+            <a:r>
+              <a:rPr lang="fr-FR" dirty="0" err="1" smtClean="0"/>
+              <a:t>button</a:t>
+            </a:r>
+            <a:r>
+              <a:rPr lang="fr-FR" dirty="0" smtClean="0"/>
+              <a:t>’ </a:t>
+            </a:r>
+            <a:r>
+              <a:rPr lang="fr-FR" dirty="0" err="1" smtClean="0"/>
+              <a:t>onclick</a:t>
+            </a:r>
+            <a:r>
+              <a:rPr lang="fr-FR" dirty="0" smtClean="0"/>
+              <a:t>=‘</a:t>
+            </a:r>
+            <a:r>
+              <a:rPr lang="fr-FR" dirty="0" err="1" smtClean="0"/>
+              <a:t>clickCounter</a:t>
+            </a:r>
+            <a:r>
+              <a:rPr lang="fr-FR" dirty="0" smtClean="0"/>
+              <a:t>();’ /&gt;</a:t>
+            </a:r>
+            <a:endParaRPr lang="fr-FR" dirty="0"/>
+          </a:p>
+        </p:txBody>
+      </p:sp>
+    </p:spTree>
+    <p:extLst>
+      <p:ext uri="{BB962C8B-B14F-4D97-AF65-F5344CB8AC3E}">
+        <p14:creationId xmlns:p14="http://schemas.microsoft.com/office/powerpoint/2010/main" val="3781047323"/>
+      </p:ext>
+    </p:extLst>
+  </p:cSld>
+  <p:clrMapOvr>
+    <a:masterClrMapping/>
+  </p:clrMapOvr>
+</p:sld>
+</file>
+
+<file path=ppt/slides/slide8.xml><?xml version="1.0" encoding="utf-8"?>
+<p:sld xmlns:a="http://schemas.openxmlformats.org/drawingml/2006/main" xmlns:r="http://schemas.openxmlformats.org/officeDocument/2006/relationships" xmlns:p="http://schemas.openxmlformats.org/presentationml/2006/main">
+  <p:cSld>
+    <p:spTree>
+      <p:nvGrpSpPr>
+        <p:cNvPr id="1" name=""/>
+        <p:cNvGrpSpPr/>
+        <p:nvPr/>
+      </p:nvGrpSpPr>
+      <p:grpSpPr>
+        <a:xfrm>
+          <a:off x="0" y="0"/>
+          <a:ext cx="0" cy="0"/>
+          <a:chOff x="0" y="0"/>
+          <a:chExt cx="0" cy="0"/>
+        </a:xfrm>
+      </p:grpSpPr>
+      <p:sp>
+        <p:nvSpPr>
+          <p:cNvPr id="2" name="Title 1"/>
+          <p:cNvSpPr>
+            <a:spLocks noGrp="1"/>
+          </p:cNvSpPr>
+          <p:nvPr>
+            <p:ph type="title"/>
+          </p:nvPr>
+        </p:nvSpPr>
+        <p:spPr>
+          <a:xfrm>
+            <a:off x="838200" y="146761"/>
+            <a:ext cx="10515600" cy="1325563"/>
+          </a:xfrm>
+        </p:spPr>
+        <p:txBody>
+          <a:bodyPr/>
+          <a:lstStyle/>
+          <a:p>
+            <a:r>
+              <a:rPr lang="fr-FR" u="sng" dirty="0" err="1" smtClean="0"/>
+              <a:t>Audio,Video,SVG</a:t>
+            </a:r>
+            <a:endParaRPr lang="fr-FR" u="sng" dirty="0"/>
+          </a:p>
+        </p:txBody>
+      </p:sp>
+      <p:sp>
+        <p:nvSpPr>
+          <p:cNvPr id="3" name="Content Placeholder 2"/>
+          <p:cNvSpPr>
+            <a:spLocks noGrp="1"/>
+          </p:cNvSpPr>
+          <p:nvPr>
+            <p:ph idx="1"/>
+          </p:nvPr>
+        </p:nvSpPr>
+        <p:spPr>
+          <a:xfrm>
+            <a:off x="838200" y="1197828"/>
+            <a:ext cx="10515600" cy="5530518"/>
+          </a:xfrm>
+        </p:spPr>
+        <p:txBody>
+          <a:bodyPr>
+            <a:normAutofit lnSpcReduction="10000"/>
+          </a:bodyPr>
+          <a:lstStyle/>
+          <a:p>
+            <a:r>
+              <a:rPr lang="fr-FR" sz="2000" b="1" u="sng" dirty="0" smtClean="0"/>
+              <a:t>Audio</a:t>
+            </a:r>
+          </a:p>
+          <a:p>
+            <a:pPr marL="0" indent="0">
+              <a:buNone/>
+            </a:pPr>
+            <a:r>
+              <a:rPr lang="fr-FR" sz="2000" dirty="0" smtClean="0"/>
+              <a:t>Le Balise audio définie un élément spécifique pour les fichées music</a:t>
+            </a:r>
+          </a:p>
+          <a:p>
+            <a:pPr marL="0" indent="0">
+              <a:buNone/>
+            </a:pPr>
+            <a:r>
+              <a:rPr lang="en-US" sz="2000" dirty="0"/>
+              <a:t>&lt;audio </a:t>
+            </a:r>
+            <a:r>
+              <a:rPr lang="en-US" sz="2000" b="1" dirty="0"/>
+              <a:t>controls</a:t>
+            </a:r>
+            <a:r>
+              <a:rPr lang="en-US" sz="2000" dirty="0"/>
+              <a:t>&gt;</a:t>
+            </a:r>
+            <a:r>
+              <a:rPr lang="en-US" sz="2000" dirty="0"/>
+              <a:t/>
+            </a:r>
+            <a:br>
+              <a:rPr lang="en-US" sz="2000" dirty="0"/>
+            </a:br>
+            <a:r>
+              <a:rPr lang="en-US" sz="2000" dirty="0"/>
+              <a:t>  &lt;source </a:t>
+            </a:r>
+            <a:r>
+              <a:rPr lang="en-US" sz="2000" dirty="0" err="1"/>
+              <a:t>src</a:t>
+            </a:r>
+            <a:r>
+              <a:rPr lang="en-US" sz="2000" dirty="0"/>
+              <a:t>="horse.ogg" type="audio/</a:t>
+            </a:r>
+            <a:r>
+              <a:rPr lang="en-US" sz="2000" dirty="0" err="1"/>
+              <a:t>ogg</a:t>
+            </a:r>
+            <a:r>
+              <a:rPr lang="en-US" sz="2000" dirty="0"/>
+              <a:t>"&gt;</a:t>
+            </a:r>
+            <a:r>
+              <a:rPr lang="en-US" sz="2000" dirty="0"/>
+              <a:t/>
+            </a:r>
+            <a:br>
+              <a:rPr lang="en-US" sz="2000" dirty="0"/>
+            </a:br>
+            <a:r>
+              <a:rPr lang="en-US" sz="2000" dirty="0"/>
+              <a:t>  &lt;source </a:t>
+            </a:r>
+            <a:r>
+              <a:rPr lang="en-US" sz="2000" dirty="0" err="1"/>
+              <a:t>src</a:t>
+            </a:r>
+            <a:r>
+              <a:rPr lang="en-US" sz="2000" dirty="0"/>
+              <a:t>="horse.mp3" type="audio/mpeg"&gt;</a:t>
+            </a:r>
+            <a:r>
+              <a:rPr lang="en-US" sz="2000" dirty="0"/>
+              <a:t/>
+            </a:r>
+            <a:br>
+              <a:rPr lang="en-US" sz="2000" dirty="0"/>
+            </a:br>
+            <a:r>
+              <a:rPr lang="en-US" sz="2000" dirty="0"/>
+              <a:t>Your browser does not support the audio element.</a:t>
+            </a:r>
+            <a:r>
+              <a:rPr lang="en-US" sz="2000" dirty="0"/>
+              <a:t/>
+            </a:r>
+            <a:br>
+              <a:rPr lang="en-US" sz="2000" dirty="0"/>
+            </a:br>
+            <a:r>
+              <a:rPr lang="en-US" sz="2000" dirty="0"/>
+              <a:t>&lt;/audio</a:t>
+            </a:r>
+            <a:r>
+              <a:rPr lang="en-US" sz="2000" dirty="0" smtClean="0"/>
+              <a:t>&gt;</a:t>
+            </a:r>
+          </a:p>
+          <a:p>
+            <a:pPr marL="0" indent="0">
+              <a:buNone/>
+            </a:pPr>
+            <a:r>
+              <a:rPr lang="en-US" sz="2000" dirty="0" err="1" smtClean="0"/>
+              <a:t>L’atribut</a:t>
+            </a:r>
+            <a:r>
+              <a:rPr lang="en-US" sz="2000" b="1" dirty="0" smtClean="0"/>
+              <a:t> controls </a:t>
+            </a:r>
+            <a:r>
+              <a:rPr lang="fr-BE" sz="2000" dirty="0" smtClean="0"/>
+              <a:t>est utilisée pour activer les diffèrent contrôles du balise audio come ( </a:t>
+            </a:r>
+            <a:r>
+              <a:rPr lang="fr-BE" sz="2000" dirty="0" err="1" smtClean="0"/>
+              <a:t>play</a:t>
+            </a:r>
+            <a:r>
+              <a:rPr lang="fr-BE" sz="2000" dirty="0" smtClean="0"/>
+              <a:t> pause et volume )</a:t>
+            </a:r>
+          </a:p>
+          <a:p>
+            <a:r>
+              <a:rPr lang="fr-BE" sz="2000" b="1" u="sng" dirty="0" err="1" smtClean="0"/>
+              <a:t>Video</a:t>
+            </a:r>
+            <a:endParaRPr lang="fr-BE" sz="2000" b="1" u="sng" dirty="0" smtClean="0"/>
+          </a:p>
+          <a:p>
+            <a:pPr marL="0" indent="0">
+              <a:buNone/>
+            </a:pPr>
+            <a:r>
+              <a:rPr lang="fr-FR" sz="2000" dirty="0"/>
+              <a:t>Le Balise </a:t>
+            </a:r>
+            <a:r>
+              <a:rPr lang="fr-FR" sz="2000" dirty="0" err="1" smtClean="0"/>
+              <a:t>video</a:t>
+            </a:r>
+            <a:r>
+              <a:rPr lang="fr-FR" sz="2000" dirty="0" smtClean="0"/>
+              <a:t> définie </a:t>
+            </a:r>
+            <a:r>
+              <a:rPr lang="fr-FR" sz="2000" dirty="0"/>
+              <a:t>un élément spécifique pour les </a:t>
+            </a:r>
+            <a:r>
+              <a:rPr lang="fr-FR" sz="2000" dirty="0" smtClean="0"/>
+              <a:t>fichées </a:t>
+            </a:r>
+            <a:r>
+              <a:rPr lang="fr-FR" sz="2000" dirty="0" err="1" smtClean="0"/>
+              <a:t>video</a:t>
+            </a:r>
+            <a:endParaRPr lang="fr-FR" sz="2000" dirty="0"/>
+          </a:p>
+          <a:p>
+            <a:pPr marL="0" indent="0">
+              <a:buNone/>
+            </a:pPr>
+            <a:endParaRPr lang="fr-BE" sz="2000" b="1" dirty="0" smtClean="0"/>
+          </a:p>
+          <a:p>
+            <a:pPr marL="0" indent="0">
+              <a:buNone/>
+            </a:pPr>
+            <a:r>
+              <a:rPr lang="en-US" sz="2000" dirty="0"/>
+              <a:t>&lt;video width="320" height="240" </a:t>
+            </a:r>
+            <a:r>
+              <a:rPr lang="en-US" sz="2000" dirty="0" smtClean="0"/>
+              <a:t> </a:t>
+            </a:r>
+            <a:r>
+              <a:rPr lang="en-US" sz="2000" dirty="0" err="1" smtClean="0"/>
+              <a:t>autoplay</a:t>
+            </a:r>
+            <a:r>
+              <a:rPr lang="en-US" sz="2000" dirty="0" smtClean="0"/>
+              <a:t>&gt;</a:t>
+            </a:r>
+            <a:r>
+              <a:rPr lang="en-US" sz="2000" dirty="0"/>
+              <a:t/>
+            </a:r>
+            <a:br>
+              <a:rPr lang="en-US" sz="2000" dirty="0"/>
+            </a:br>
+            <a:r>
+              <a:rPr lang="en-US" sz="2000" dirty="0"/>
+              <a:t>  &lt;source </a:t>
+            </a:r>
+            <a:r>
+              <a:rPr lang="en-US" sz="2000" dirty="0" err="1"/>
+              <a:t>src</a:t>
+            </a:r>
+            <a:r>
+              <a:rPr lang="en-US" sz="2000" dirty="0"/>
+              <a:t>="movie.mp4" type="video/mp4"&gt;</a:t>
+            </a:r>
+            <a:r>
+              <a:rPr lang="en-US" sz="2000" dirty="0"/>
+              <a:t/>
+            </a:r>
+            <a:br>
+              <a:rPr lang="en-US" sz="2000" dirty="0"/>
+            </a:br>
+            <a:r>
+              <a:rPr lang="en-US" sz="2000" dirty="0"/>
+              <a:t>  &lt;source </a:t>
+            </a:r>
+            <a:r>
+              <a:rPr lang="en-US" sz="2000" dirty="0" err="1"/>
+              <a:t>src</a:t>
+            </a:r>
+            <a:r>
+              <a:rPr lang="en-US" sz="2000" dirty="0"/>
+              <a:t>="movie.ogg" type="video/</a:t>
+            </a:r>
+            <a:r>
+              <a:rPr lang="en-US" sz="2000" dirty="0" err="1"/>
+              <a:t>ogg</a:t>
+            </a:r>
+            <a:r>
+              <a:rPr lang="en-US" sz="2000" dirty="0"/>
+              <a:t>"&gt;</a:t>
+            </a:r>
+            <a:r>
+              <a:rPr lang="en-US" sz="2000" dirty="0"/>
+              <a:t/>
+            </a:r>
+            <a:br>
+              <a:rPr lang="en-US" sz="2000" dirty="0"/>
+            </a:br>
+            <a:r>
+              <a:rPr lang="en-US" sz="2000" dirty="0"/>
+              <a:t>Your browser does not support the video tag.</a:t>
+            </a:r>
+            <a:r>
+              <a:rPr lang="en-US" sz="2000" dirty="0"/>
+              <a:t/>
+            </a:r>
+            <a:br>
+              <a:rPr lang="en-US" sz="2000" dirty="0"/>
+            </a:br>
+            <a:r>
+              <a:rPr lang="en-US" sz="2000" dirty="0"/>
+              <a:t>&lt;/video</a:t>
+            </a:r>
+            <a:r>
+              <a:rPr lang="en-US" sz="2000" dirty="0" smtClean="0"/>
+              <a:t>&gt;</a:t>
+            </a:r>
+          </a:p>
+          <a:p>
+            <a:pPr marL="0" indent="0">
+              <a:buNone/>
+            </a:pPr>
+            <a:endParaRPr lang="fr-FR" sz="2000" b="1" dirty="0"/>
+          </a:p>
+        </p:txBody>
+      </p:sp>
+    </p:spTree>
+    <p:extLst>
+      <p:ext uri="{BB962C8B-B14F-4D97-AF65-F5344CB8AC3E}">
+        <p14:creationId xmlns:p14="http://schemas.microsoft.com/office/powerpoint/2010/main" val="603001863"/>
+      </p:ext>
+    </p:extLst>
+  </p:cSld>
+  <p:clrMapOvr>
+    <a:masterClrMapping/>
+  </p:clrMapOvr>
+</p:sld>
+</file>
+
+<file path=ppt/slides/slide9.xml><?xml version="1.0" encoding="utf-8"?>
+<p:sld xmlns:a="http://schemas.openxmlformats.org/drawingml/2006/main" xmlns:r="http://schemas.openxmlformats.org/officeDocument/2006/relationships" xmlns:p="http://schemas.openxmlformats.org/presentationml/2006/main">
+  <p:cSld>
+    <p:spTree>
+      <p:nvGrpSpPr>
+        <p:cNvPr id="1" name=""/>
+        <p:cNvGrpSpPr/>
+        <p:nvPr/>
+      </p:nvGrpSpPr>
+      <p:grpSpPr>
+        <a:xfrm>
+          <a:off x="0" y="0"/>
+          <a:ext cx="0" cy="0"/>
+          <a:chOff x="0" y="0"/>
+          <a:chExt cx="0" cy="0"/>
+        </a:xfrm>
+      </p:grpSpPr>
+      <p:sp>
+        <p:nvSpPr>
+          <p:cNvPr id="2" name="Title 1"/>
+          <p:cNvSpPr>
+            <a:spLocks noGrp="1"/>
+          </p:cNvSpPr>
+          <p:nvPr>
+            <p:ph type="title"/>
+          </p:nvPr>
+        </p:nvSpPr>
+        <p:spPr/>
+        <p:txBody>
+          <a:bodyPr/>
+          <a:lstStyle/>
+          <a:p>
+            <a:r>
+              <a:rPr lang="fr-FR" u="sng" dirty="0" err="1" smtClean="0"/>
+              <a:t>Svg</a:t>
+            </a:r>
+            <a:r>
+              <a:rPr lang="fr-FR" u="sng" dirty="0" smtClean="0"/>
+              <a:t> (</a:t>
+            </a:r>
+            <a:r>
+              <a:rPr lang="fr-FR" u="sng" dirty="0" err="1" smtClean="0"/>
+              <a:t>scalable</a:t>
+            </a:r>
+            <a:r>
+              <a:rPr lang="fr-FR" u="sng" dirty="0" smtClean="0"/>
+              <a:t> </a:t>
+            </a:r>
+            <a:r>
+              <a:rPr lang="fr-FR" u="sng" dirty="0" err="1" smtClean="0"/>
+              <a:t>vector</a:t>
+            </a:r>
+            <a:r>
+              <a:rPr lang="fr-FR" u="sng" dirty="0" smtClean="0"/>
+              <a:t> </a:t>
+            </a:r>
+            <a:r>
+              <a:rPr lang="fr-FR" u="sng" dirty="0" err="1" smtClean="0"/>
+              <a:t>graphic</a:t>
+            </a:r>
+            <a:r>
+              <a:rPr lang="fr-FR" u="sng" dirty="0" smtClean="0"/>
+              <a:t> )</a:t>
+            </a:r>
+            <a:endParaRPr lang="fr-FR" u="sng" dirty="0"/>
+          </a:p>
+        </p:txBody>
+      </p:sp>
+      <p:sp>
+        <p:nvSpPr>
+          <p:cNvPr id="3" name="Content Placeholder 2"/>
+          <p:cNvSpPr>
+            <a:spLocks noGrp="1"/>
+          </p:cNvSpPr>
+          <p:nvPr>
+            <p:ph idx="1"/>
+          </p:nvPr>
+        </p:nvSpPr>
+        <p:spPr/>
+        <p:txBody>
+          <a:bodyPr>
+            <a:normAutofit/>
+          </a:bodyPr>
+          <a:lstStyle/>
+          <a:p>
+            <a:r>
+              <a:rPr lang="fr-FR" sz="1800" dirty="0"/>
+              <a:t>SVG est utilisé pour </a:t>
+            </a:r>
+            <a:r>
+              <a:rPr lang="fr-FR" sz="1800" dirty="0" smtClean="0"/>
+              <a:t>définir les </a:t>
+            </a:r>
+            <a:r>
+              <a:rPr lang="fr-FR" sz="1800" dirty="0"/>
+              <a:t>graphiques pour le </a:t>
+            </a:r>
+            <a:r>
+              <a:rPr lang="fr-FR" sz="1800" dirty="0" smtClean="0"/>
+              <a:t>Web</a:t>
+            </a:r>
+          </a:p>
+          <a:p>
+            <a:pPr marL="0" indent="0">
+              <a:buNone/>
+            </a:pPr>
+            <a:r>
+              <a:rPr lang="fr-FR" sz="1800" dirty="0" smtClean="0"/>
+              <a:t>SVG admet plusieurs méthodes pour dessiner des </a:t>
+            </a:r>
+            <a:r>
+              <a:rPr lang="fr-FR" sz="1800" dirty="0" err="1" smtClean="0"/>
+              <a:t>path,rectangle,cercle,polygon</a:t>
+            </a:r>
+            <a:endParaRPr lang="fr-FR" sz="1800" dirty="0" smtClean="0"/>
+          </a:p>
+          <a:p>
+            <a:pPr marL="0" indent="0">
+              <a:buNone/>
+            </a:pPr>
+            <a:r>
+              <a:rPr lang="fr-FR" sz="1800" dirty="0" smtClean="0"/>
+              <a:t>Ex:</a:t>
+            </a:r>
+          </a:p>
+          <a:p>
+            <a:pPr marL="342900" indent="-342900">
+              <a:buFont typeface="+mj-lt"/>
+              <a:buAutoNum type="arabicPeriod"/>
+            </a:pPr>
+            <a:r>
+              <a:rPr lang="en-US" sz="1800" dirty="0"/>
+              <a:t>&lt;</a:t>
+            </a:r>
+            <a:r>
+              <a:rPr lang="en-US" sz="1800" dirty="0" err="1"/>
+              <a:t>svg</a:t>
+            </a:r>
+            <a:r>
+              <a:rPr lang="en-US" sz="1800" dirty="0"/>
+              <a:t> width="100" height="100"&gt;</a:t>
+            </a:r>
+            <a:r>
+              <a:rPr lang="en-US" sz="1800" dirty="0"/>
+              <a:t/>
+            </a:r>
+            <a:br>
+              <a:rPr lang="en-US" sz="1800" dirty="0"/>
+            </a:br>
+            <a:r>
+              <a:rPr lang="en-US" sz="1800" dirty="0"/>
+              <a:t>  &lt;circle cx="50" cy="50" r="40" stroke="green" stroke-width="4" fill="yellow" /&gt;</a:t>
+            </a:r>
+            <a:r>
+              <a:rPr lang="en-US" sz="1800" dirty="0"/>
+              <a:t/>
+            </a:r>
+            <a:br>
+              <a:rPr lang="en-US" sz="1800" dirty="0"/>
+            </a:br>
+            <a:r>
+              <a:rPr lang="en-US" sz="1800" dirty="0"/>
+              <a:t>&lt;/</a:t>
+            </a:r>
+            <a:r>
+              <a:rPr lang="en-US" sz="1800" dirty="0" err="1"/>
+              <a:t>svg</a:t>
+            </a:r>
+            <a:r>
+              <a:rPr lang="en-US" sz="1800" dirty="0" smtClean="0"/>
+              <a:t>&gt;</a:t>
+            </a:r>
+          </a:p>
+          <a:p>
+            <a:pPr marL="342900" indent="-342900">
+              <a:buFont typeface="+mj-lt"/>
+              <a:buAutoNum type="arabicPeriod"/>
+            </a:pPr>
+            <a:r>
+              <a:rPr lang="en-US" sz="1800" dirty="0"/>
+              <a:t>&lt;</a:t>
+            </a:r>
+            <a:r>
+              <a:rPr lang="en-US" sz="1800" dirty="0" err="1"/>
+              <a:t>svg</a:t>
+            </a:r>
+            <a:r>
+              <a:rPr lang="en-US" sz="1800" dirty="0"/>
+              <a:t> width="400" height="100"&gt;</a:t>
+            </a:r>
+            <a:r>
+              <a:rPr lang="en-US" sz="1800" dirty="0"/>
+              <a:t/>
+            </a:r>
+            <a:br>
+              <a:rPr lang="en-US" sz="1800" dirty="0"/>
+            </a:br>
+            <a:r>
+              <a:rPr lang="en-US" sz="1800" dirty="0"/>
+              <a:t>  &lt;</a:t>
+            </a:r>
+            <a:r>
+              <a:rPr lang="en-US" sz="1800" dirty="0" err="1"/>
+              <a:t>rect</a:t>
+            </a:r>
+            <a:r>
+              <a:rPr lang="en-US" sz="1800" dirty="0"/>
+              <a:t> width="400" height="100" style="</a:t>
+            </a:r>
+            <a:r>
+              <a:rPr lang="en-US" sz="1800" dirty="0" err="1"/>
+              <a:t>fill:rgb</a:t>
+            </a:r>
+            <a:r>
+              <a:rPr lang="en-US" sz="1800" dirty="0"/>
+              <a:t>(0,0,255);stroke-width:10;stroke:rgb(0,0,0)" /&gt;</a:t>
+            </a:r>
+            <a:r>
+              <a:rPr lang="en-US" sz="1800" dirty="0"/>
+              <a:t/>
+            </a:r>
+            <a:br>
+              <a:rPr lang="en-US" sz="1800" dirty="0"/>
+            </a:br>
+            <a:r>
+              <a:rPr lang="en-US" sz="1800" dirty="0"/>
+              <a:t>&lt;/</a:t>
+            </a:r>
+            <a:r>
+              <a:rPr lang="en-US" sz="1800" dirty="0" err="1"/>
+              <a:t>svg</a:t>
+            </a:r>
+            <a:r>
+              <a:rPr lang="en-US" sz="1800" dirty="0" smtClean="0"/>
+              <a:t>&gt;</a:t>
+            </a:r>
+          </a:p>
+          <a:p>
+            <a:pPr marL="342900" indent="-342900">
+              <a:buFont typeface="+mj-lt"/>
+              <a:buAutoNum type="arabicPeriod"/>
+            </a:pPr>
+            <a:endParaRPr lang="fr-FR" sz="1800" dirty="0"/>
+          </a:p>
+        </p:txBody>
+      </p:sp>
+    </p:spTree>
+    <p:extLst>
+      <p:ext uri="{BB962C8B-B14F-4D97-AF65-F5344CB8AC3E}">
+        <p14:creationId xmlns:p14="http://schemas.microsoft.com/office/powerpoint/2010/main" val="824199395"/>
       </p:ext>
     </p:extLst>
   </p:cSld>
@@ -3945,4 +6945,265 @@
     </a:ext>
   </a:extLst>
 </a:theme>
+</file>
+
+<file path=ppt/theme/theme2.xml><?xml version="1.0" encoding="utf-8"?>
+<a:theme xmlns:a="http://schemas.openxmlformats.org/drawingml/2006/main" name="Office Theme">
+  <a:themeElements>
+    <a:clrScheme name="Office">
+      <a:dk1>
+        <a:sysClr val="windowText" lastClr="000000"/>
+      </a:dk1>
+      <a:lt1>
+        <a:sysClr val="window" lastClr="FFFFFF"/>
+      </a:lt1>
+      <a:dk2>
+        <a:srgbClr val="44546A"/>
+      </a:dk2>
+      <a:lt2>
+        <a:srgbClr val="E7E6E6"/>
+      </a:lt2>
+      <a:accent1>
+        <a:srgbClr val="5B9BD5"/>
+      </a:accent1>
+      <a:accent2>
+        <a:srgbClr val="ED7D31"/>
+      </a:accent2>
+      <a:accent3>
+        <a:srgbClr val="A5A5A5"/>
+      </a:accent3>
+      <a:accent4>
+        <a:srgbClr val="FFC000"/>
+      </a:accent4>
+      <a:accent5>
+        <a:srgbClr val="4472C4"/>
+      </a:accent5>
+      <a:accent6>
+        <a:srgbClr val="70AD47"/>
+      </a:accent6>
+      <a:hlink>
+        <a:srgbClr val="0563C1"/>
+      </a:hlink>
+      <a:folHlink>
+        <a:srgbClr val="954F72"/>
+      </a:folHlink>
+    </a:clrScheme>
+    <a:fontScheme name="Office">
+      <a:majorFont>
+        <a:latin typeface="Calibri Light" panose="020F0302020204030204"/>
+        <a:ea typeface=""/>
+        <a:cs typeface=""/>
+        <a:font script="Jpan" typeface="ＭＳ Ｐゴシック"/>
+        <a:font script="Hang" typeface="맑은 고딕"/>
+        <a:font script="Hans" typeface="宋体"/>
+        <a:font script="Hant" typeface="新細明體"/>
+        <a:font script="Arab" typeface="Times New Roman"/>
+        <a:font script="Hebr" typeface="Times New Roman"/>
+        <a:font script="Thai" typeface="Angsana New"/>
+        <a:font script="Ethi" typeface="Nyala"/>
+        <a:font script="Beng" typeface="Vrinda"/>
+        <a:font script="Gujr" typeface="Shruti"/>
+        <a:font script="Khmr" typeface="MoolBoran"/>
+        <a:font script="Knda" typeface="Tunga"/>
+        <a:font script="Guru" typeface="Raavi"/>
+        <a:font script="Cans" typeface="Euphemia"/>
+        <a:font script="Cher" typeface="Plantagenet Cherokee"/>
+        <a:font script="Yiii" typeface="Microsoft Yi Baiti"/>
+        <a:font script="Tibt" typeface="Microsoft Himalaya"/>
+        <a:font script="Thaa" typeface="MV Boli"/>
+        <a:font script="Deva" typeface="Mangal"/>
+        <a:font script="Telu" typeface="Gautami"/>
+        <a:font script="Taml" typeface="Latha"/>
+        <a:font script="Syrc" typeface="Estrangelo Edessa"/>
+        <a:font script="Orya" typeface="Kalinga"/>
+        <a:font script="Mlym" typeface="Kartika"/>
+        <a:font script="Laoo" typeface="DokChampa"/>
+        <a:font script="Sinh" typeface="Iskoola Pota"/>
+        <a:font script="Mong" typeface="Mongolian Baiti"/>
+        <a:font script="Viet" typeface="Times New Roman"/>
+        <a:font script="Uigh" typeface="Microsoft Uighur"/>
+        <a:font script="Geor" typeface="Sylfaen"/>
+      </a:majorFont>
+      <a:minorFont>
+        <a:latin typeface="Calibri" panose="020F0502020204030204"/>
+        <a:ea typeface=""/>
+        <a:cs typeface=""/>
+        <a:font script="Jpan" typeface="ＭＳ Ｐゴシック"/>
+        <a:font script="Hang" typeface="맑은 고딕"/>
+        <a:font script="Hans" typeface="宋体"/>
+        <a:font script="Hant" typeface="新細明體"/>
+        <a:font script="Arab" typeface="Arial"/>
+        <a:font script="Hebr" typeface="Arial"/>
+        <a:font script="Thai" typeface="Cordia New"/>
+        <a:font script="Ethi" typeface="Nyala"/>
+        <a:font script="Beng" typeface="Vrinda"/>
+        <a:font script="Gujr" typeface="Shruti"/>
+        <a:font script="Khmr" typeface="DaunPenh"/>
+        <a:font script="Knda" typeface="Tunga"/>
+        <a:font script="Guru" typeface="Raavi"/>
+        <a:font script="Cans" typeface="Euphemia"/>
+        <a:font script="Cher" typeface="Plantagenet Cherokee"/>
+        <a:font script="Yiii" typeface="Microsoft Yi Baiti"/>
+        <a:font script="Tibt" typeface="Microsoft Himalaya"/>
+        <a:font script="Thaa" typeface="MV Boli"/>
+        <a:font script="Deva" typeface="Mangal"/>
+        <a:font script="Telu" typeface="Gautami"/>
+        <a:font script="Taml" typeface="Latha"/>
+        <a:font script="Syrc" typeface="Estrangelo Edessa"/>
+        <a:font script="Orya" typeface="Kalinga"/>
+        <a:font script="Mlym" typeface="Kartika"/>
+        <a:font script="Laoo" typeface="DokChampa"/>
+        <a:font script="Sinh" typeface="Iskoola Pota"/>
+        <a:font script="Mong" typeface="Mongolian Baiti"/>
+        <a:font script="Viet" typeface="Arial"/>
+        <a:font script="Uigh" typeface="Microsoft Uighur"/>
+        <a:font script="Geor" typeface="Sylfaen"/>
+      </a:minorFont>
+    </a:fontScheme>
+    <a:fmtScheme name="Office">
+      <a:fillStyleLst>
+        <a:solidFill>
+          <a:schemeClr val="phClr"/>
+        </a:solidFill>
+        <a:gradFill rotWithShape="1">
+          <a:gsLst>
+            <a:gs pos="0">
+              <a:schemeClr val="phClr">
+                <a:lumMod val="110000"/>
+                <a:satMod val="105000"/>
+                <a:tint val="67000"/>
+              </a:schemeClr>
+            </a:gs>
+            <a:gs pos="50000">
+              <a:schemeClr val="phClr">
+                <a:lumMod val="105000"/>
+                <a:satMod val="103000"/>
+                <a:tint val="73000"/>
+              </a:schemeClr>
+            </a:gs>
+            <a:gs pos="100000">
+              <a:schemeClr val="phClr">
+                <a:lumMod val="105000"/>
+                <a:satMod val="109000"/>
+                <a:tint val="81000"/>
+              </a:schemeClr>
+            </a:gs>
+          </a:gsLst>
+          <a:lin ang="5400000" scaled="0"/>
+        </a:gradFill>
+        <a:gradFill rotWithShape="1">
+          <a:gsLst>
+            <a:gs pos="0">
+              <a:schemeClr val="phClr">
+                <a:satMod val="103000"/>
+                <a:lumMod val="102000"/>
+                <a:tint val="94000"/>
+              </a:schemeClr>
+            </a:gs>
+            <a:gs pos="50000">
+              <a:schemeClr val="phClr">
+                <a:satMod val="110000"/>
+                <a:lumMod val="100000"/>
+                <a:shade val="100000"/>
+              </a:schemeClr>
+            </a:gs>
+            <a:gs pos="100000">
+              <a:schemeClr val="phClr">
+                <a:lumMod val="99000"/>
+                <a:satMod val="120000"/>
+                <a:shade val="78000"/>
+              </a:schemeClr>
+            </a:gs>
+          </a:gsLst>
+          <a:lin ang="5400000" scaled="0"/>
+        </a:gradFill>
+      </a:fillStyleLst>
+      <a:lnStyleLst>
+        <a:ln w="6350" cap="flat" cmpd="sng" algn="ctr">
+          <a:solidFill>
+            <a:schemeClr val="phClr"/>
+          </a:solidFill>
+          <a:prstDash val="solid"/>
+          <a:miter lim="800000"/>
+        </a:ln>
+        <a:ln w="12700" cap="flat" cmpd="sng" algn="ctr">
+          <a:solidFill>
+            <a:schemeClr val="phClr"/>
+          </a:solidFill>
+          <a:prstDash val="solid"/>
+          <a:miter lim="800000"/>
+        </a:ln>
+        <a:ln w="19050" cap="flat" cmpd="sng" algn="ctr">
+          <a:solidFill>
+            <a:schemeClr val="phClr"/>
+          </a:solidFill>
+          <a:prstDash val="solid"/>
+          <a:miter lim="800000"/>
+        </a:ln>
+      </a:lnStyleLst>
+      <a:effectStyleLst>
+        <a:effectStyle>
+          <a:effectLst/>
+        </a:effectStyle>
+        <a:effectStyle>
+          <a:effectLst/>
+        </a:effectStyle>
+        <a:effectStyle>
+          <a:effectLst>
+            <a:outerShdw blurRad="57150" dist="19050" dir="5400000" algn="ctr" rotWithShape="0">
+              <a:srgbClr val="000000">
+                <a:alpha val="63000"/>
+              </a:srgbClr>
+            </a:outerShdw>
+          </a:effectLst>
+        </a:effectStyle>
+      </a:effectStyleLst>
+      <a:bgFillStyleLst>
+        <a:solidFill>
+          <a:schemeClr val="phClr"/>
+        </a:solidFill>
+        <a:solidFill>
+          <a:schemeClr val="phClr">
+            <a:tint val="95000"/>
+            <a:satMod val="170000"/>
+          </a:schemeClr>
+        </a:solidFill>
+        <a:gradFill rotWithShape="1">
+          <a:gsLst>
+            <a:gs pos="0">
+              <a:schemeClr val="phClr">
+                <a:tint val="93000"/>
+                <a:satMod val="150000"/>
+                <a:shade val="98000"/>
+                <a:lumMod val="102000"/>
+              </a:schemeClr>
+            </a:gs>
+            <a:gs pos="50000">
+              <a:schemeClr val="phClr">
+                <a:tint val="98000"/>
+                <a:satMod val="130000"/>
+                <a:shade val="90000"/>
+                <a:lumMod val="103000"/>
+              </a:schemeClr>
+            </a:gs>
+            <a:gs pos="100000">
+              <a:schemeClr val="phClr">
+                <a:shade val="63000"/>
+                <a:satMod val="120000"/>
+              </a:schemeClr>
+            </a:gs>
+          </a:gsLst>
+          <a:lin ang="5400000" scaled="0"/>
+        </a:gradFill>
+      </a:bgFillStyleLst>
+    </a:fmtScheme>
+  </a:themeElements>
+  <a:objectDefaults/>
+  <a:extraClrSchemeLst/>
+  <a:extLst>
+    <a:ext uri="{05A4C25C-085E-4340-85A3-A5531E510DB2}">
+      <thm15:themeFamily xmlns:thm15="http://schemas.microsoft.com/office/thememl/2012/main" name="Office Theme" id="{62F939B6-93AF-4DB8-9C6B-D6C7DFDC589F}" vid="{4A3C46E8-61CC-4603-A589-7422A47A8E4A}"/>
+    </a:ext>
+  </a:extLst>
+</a:theme>
 </file>
--- a/Presentation Du HTML5 .pptx
+++ b/Presentation Du HTML5 .pptx
@@ -19,7 +19,7 @@
     <p:sldId id="265" r:id="rId10"/>
     <p:sldId id="266" r:id="rId11"/>
     <p:sldId id="267" r:id="rId12"/>
-    <p:sldId id="261" r:id="rId13"/>
+    <p:sldId id="268" r:id="rId13"/>
   </p:sldIdLst>
   <p:sldSz cx="12192000" cy="6858000"/>
   <p:notesSz cx="6858000" cy="9144000"/>
@@ -208,7 +208,7 @@
           <a:p>
             <a:fld id="{ADCDA24E-0A6D-4656-8BB2-5019DDFD0A8F}" type="datetimeFigureOut">
               <a:rPr lang="fr-FR" smtClean="0"/>
-              <a:t>12/12/2015</a:t>
+              <a:t>13/12/2015</a:t>
             </a:fld>
             <a:endParaRPr lang="fr-FR"/>
           </a:p>
@@ -691,7 +691,7 @@
           <a:p>
             <a:fld id="{D2BFFA84-0004-4E12-8F5A-7C8BBC672390}" type="datetimeFigureOut">
               <a:rPr lang="en-US" smtClean="0"/>
-              <a:t>12/12/2015</a:t>
+              <a:t>12/13/2015</a:t>
             </a:fld>
             <a:endParaRPr lang="en-US"/>
           </a:p>
@@ -861,7 +861,7 @@
           <a:p>
             <a:fld id="{D2BFFA84-0004-4E12-8F5A-7C8BBC672390}" type="datetimeFigureOut">
               <a:rPr lang="en-US" smtClean="0"/>
-              <a:t>12/12/2015</a:t>
+              <a:t>12/13/2015</a:t>
             </a:fld>
             <a:endParaRPr lang="en-US"/>
           </a:p>
@@ -1041,7 +1041,7 @@
           <a:p>
             <a:fld id="{D2BFFA84-0004-4E12-8F5A-7C8BBC672390}" type="datetimeFigureOut">
               <a:rPr lang="en-US" smtClean="0"/>
-              <a:t>12/12/2015</a:t>
+              <a:t>12/13/2015</a:t>
             </a:fld>
             <a:endParaRPr lang="en-US"/>
           </a:p>
@@ -1211,7 +1211,7 @@
           <a:p>
             <a:fld id="{D2BFFA84-0004-4E12-8F5A-7C8BBC672390}" type="datetimeFigureOut">
               <a:rPr lang="en-US" smtClean="0"/>
-              <a:t>12/12/2015</a:t>
+              <a:t>12/13/2015</a:t>
             </a:fld>
             <a:endParaRPr lang="en-US"/>
           </a:p>
@@ -1457,7 +1457,7 @@
           <a:p>
             <a:fld id="{D2BFFA84-0004-4E12-8F5A-7C8BBC672390}" type="datetimeFigureOut">
               <a:rPr lang="en-US" smtClean="0"/>
-              <a:t>12/12/2015</a:t>
+              <a:t>12/13/2015</a:t>
             </a:fld>
             <a:endParaRPr lang="en-US"/>
           </a:p>
@@ -1689,7 +1689,7 @@
           <a:p>
             <a:fld id="{D2BFFA84-0004-4E12-8F5A-7C8BBC672390}" type="datetimeFigureOut">
               <a:rPr lang="en-US" smtClean="0"/>
-              <a:t>12/12/2015</a:t>
+              <a:t>12/13/2015</a:t>
             </a:fld>
             <a:endParaRPr lang="en-US"/>
           </a:p>
@@ -2056,7 +2056,7 @@
           <a:p>
             <a:fld id="{D2BFFA84-0004-4E12-8F5A-7C8BBC672390}" type="datetimeFigureOut">
               <a:rPr lang="en-US" smtClean="0"/>
-              <a:t>12/12/2015</a:t>
+              <a:t>12/13/2015</a:t>
             </a:fld>
             <a:endParaRPr lang="en-US"/>
           </a:p>
@@ -2174,7 +2174,7 @@
           <a:p>
             <a:fld id="{D2BFFA84-0004-4E12-8F5A-7C8BBC672390}" type="datetimeFigureOut">
               <a:rPr lang="en-US" smtClean="0"/>
-              <a:t>12/12/2015</a:t>
+              <a:t>12/13/2015</a:t>
             </a:fld>
             <a:endParaRPr lang="en-US"/>
           </a:p>
@@ -2269,7 +2269,7 @@
           <a:p>
             <a:fld id="{D2BFFA84-0004-4E12-8F5A-7C8BBC672390}" type="datetimeFigureOut">
               <a:rPr lang="en-US" smtClean="0"/>
-              <a:t>12/12/2015</a:t>
+              <a:t>12/13/2015</a:t>
             </a:fld>
             <a:endParaRPr lang="en-US"/>
           </a:p>
@@ -2546,7 +2546,7 @@
           <a:p>
             <a:fld id="{D2BFFA84-0004-4E12-8F5A-7C8BBC672390}" type="datetimeFigureOut">
               <a:rPr lang="en-US" smtClean="0"/>
-              <a:t>12/12/2015</a:t>
+              <a:t>12/13/2015</a:t>
             </a:fld>
             <a:endParaRPr lang="en-US"/>
           </a:p>
@@ -2799,7 +2799,7 @@
           <a:p>
             <a:fld id="{D2BFFA84-0004-4E12-8F5A-7C8BBC672390}" type="datetimeFigureOut">
               <a:rPr lang="en-US" smtClean="0"/>
-              <a:t>12/12/2015</a:t>
+              <a:t>12/13/2015</a:t>
             </a:fld>
             <a:endParaRPr lang="en-US"/>
           </a:p>
@@ -3012,7 +3012,7 @@
           <a:p>
             <a:fld id="{D2BFFA84-0004-4E12-8F5A-7C8BBC672390}" type="datetimeFigureOut">
               <a:rPr lang="en-US" smtClean="0"/>
-              <a:t>12/12/2015</a:t>
+              <a:t>12/13/2015</a:t>
             </a:fld>
             <a:endParaRPr lang="en-US"/>
           </a:p>
@@ -3706,10 +3706,6 @@
               <a:rPr lang="en-US" sz="1600" b="1" dirty="0"/>
               <a:t>");</a:t>
             </a:r>
-            <a:r>
-              <a:rPr lang="en-US" sz="1600" b="1" dirty="0"/>
-              <a:t/>
-            </a:r>
             <a:br>
               <a:rPr lang="en-US" sz="1600" b="1" dirty="0"/>
             </a:br>
@@ -3737,10 +3733,6 @@
               <a:rPr lang="en-US" sz="1600" b="1" dirty="0"/>
               <a:t>("2d");</a:t>
             </a:r>
-            <a:r>
-              <a:rPr lang="en-US" sz="1600" b="1" dirty="0"/>
-              <a:t/>
-            </a:r>
             <a:br>
               <a:rPr lang="en-US" sz="1600" b="1" dirty="0"/>
             </a:br>
@@ -3752,10 +3744,6 @@
               <a:rPr lang="en-US" sz="1600" b="1" dirty="0"/>
               <a:t> = "#FF0000";</a:t>
             </a:r>
-            <a:r>
-              <a:rPr lang="en-US" sz="1600" b="1" dirty="0"/>
-              <a:t/>
-            </a:r>
             <a:br>
               <a:rPr lang="en-US" sz="1600" b="1" dirty="0"/>
             </a:br>
@@ -3836,10 +3824,6 @@
               <a:rPr lang="en-US" sz="1600" b="1" dirty="0"/>
               <a:t>");</a:t>
             </a:r>
-            <a:r>
-              <a:rPr lang="en-US" sz="1600" b="1" dirty="0"/>
-              <a:t/>
-            </a:r>
             <a:br>
               <a:rPr lang="en-US" sz="1600" b="1" dirty="0"/>
             </a:br>
@@ -3867,10 +3851,6 @@
               <a:rPr lang="en-US" sz="1600" b="1" dirty="0"/>
               <a:t>("2d");</a:t>
             </a:r>
-            <a:r>
-              <a:rPr lang="en-US" sz="1600" b="1" dirty="0"/>
-              <a:t/>
-            </a:r>
             <a:br>
               <a:rPr lang="en-US" sz="1600" b="1" dirty="0"/>
             </a:br>
@@ -3882,10 +3862,6 @@
               <a:rPr lang="en-US" sz="1600" b="1" dirty="0"/>
               <a:t>(0,0);</a:t>
             </a:r>
-            <a:r>
-              <a:rPr lang="en-US" sz="1600" b="1" dirty="0"/>
-              <a:t/>
-            </a:r>
             <a:br>
               <a:rPr lang="en-US" sz="1600" b="1" dirty="0"/>
             </a:br>
@@ -3896,10 +3872,6 @@
             <a:r>
               <a:rPr lang="en-US" sz="1600" b="1" dirty="0"/>
               <a:t>(200,100);</a:t>
-            </a:r>
-            <a:r>
-              <a:rPr lang="en-US" sz="1600" b="1" dirty="0"/>
-              <a:t/>
             </a:r>
             <a:br>
               <a:rPr lang="en-US" sz="1600" b="1" dirty="0"/>
@@ -4113,10 +4085,6 @@
               <a:rPr lang="en-US" sz="1600" b="1" dirty="0"/>
               <a:t>");</a:t>
             </a:r>
-            <a:r>
-              <a:rPr lang="en-US" sz="1600" b="1" dirty="0"/>
-              <a:t/>
-            </a:r>
             <a:br>
               <a:rPr lang="en-US" sz="1600" b="1" dirty="0"/>
             </a:br>
@@ -4144,10 +4112,6 @@
               <a:rPr lang="en-US" sz="1600" b="1" dirty="0"/>
               <a:t>("2d");</a:t>
             </a:r>
-            <a:r>
-              <a:rPr lang="en-US" sz="1600" b="1" dirty="0"/>
-              <a:t/>
-            </a:r>
             <a:br>
               <a:rPr lang="en-US" sz="1600" b="1" dirty="0"/>
             </a:br>
@@ -4158,10 +4122,6 @@
             <a:r>
               <a:rPr lang="en-US" sz="1600" b="1" dirty="0"/>
               <a:t>();</a:t>
-            </a:r>
-            <a:r>
-              <a:rPr lang="en-US" sz="1600" b="1" dirty="0"/>
-              <a:t/>
             </a:r>
             <a:br>
               <a:rPr lang="en-US" sz="1600" b="1" dirty="0"/>
@@ -4225,7 +4185,6 @@
               <a:rPr lang="en-US" sz="1600" b="1" dirty="0"/>
               <a:t>();</a:t>
             </a:r>
-            <a:endParaRPr lang="en-US" sz="1600" b="1" dirty="0"/>
           </a:p>
           <a:p>
             <a:pPr marL="0" indent="0">
@@ -4362,10 +4321,52 @@
           <a:chExt cx="0" cy="0"/>
         </a:xfrm>
       </p:grpSpPr>
+      <p:sp>
+        <p:nvSpPr>
+          <p:cNvPr id="2" name="Title 1"/>
+          <p:cNvSpPr>
+            <a:spLocks noGrp="1"/>
+          </p:cNvSpPr>
+          <p:nvPr>
+            <p:ph type="title"/>
+          </p:nvPr>
+        </p:nvSpPr>
+        <p:spPr/>
+        <p:txBody>
+          <a:bodyPr/>
+          <a:lstStyle/>
+          <a:p>
+            <a:r>
+              <a:rPr lang="fr-BE" u="sng" dirty="0" smtClean="0"/>
+              <a:t>Web socket</a:t>
+            </a:r>
+            <a:endParaRPr lang="fr-BE" u="sng" dirty="0"/>
+          </a:p>
+        </p:txBody>
+      </p:sp>
+      <p:sp>
+        <p:nvSpPr>
+          <p:cNvPr id="3" name="Content Placeholder 2"/>
+          <p:cNvSpPr>
+            <a:spLocks noGrp="1"/>
+          </p:cNvSpPr>
+          <p:nvPr>
+            <p:ph idx="1"/>
+          </p:nvPr>
+        </p:nvSpPr>
+        <p:spPr/>
+        <p:txBody>
+          <a:bodyPr/>
+          <a:lstStyle/>
+          <a:p>
+            <a:endParaRPr lang="fr-BE" dirty="0"/>
+          </a:p>
+        </p:txBody>
+      </p:sp>
     </p:spTree>
     <p:extLst>
       <p:ext uri="{BB962C8B-B14F-4D97-AF65-F5344CB8AC3E}">
-        <p14:creationId xmlns:p14="http://schemas.microsoft.com/office/powerpoint/2010/main" val="613915871"/>
+        <p14:creationId xmlns:p14="http://schemas.microsoft.com/office/powerpoint/2010/main" val="2873008709"/>
       </p:ext>
     </p:extLst>
   </p:cSld>
@@ -5157,11 +5158,7 @@
             </a:r>
             <a:r>
               <a:rPr lang="fr-FR" sz="1800" dirty="0" smtClean="0"/>
-              <a:t>=</a:t>
-            </a:r>
-            <a:r>
-              <a:rPr lang="fr-FR" sz="1800" dirty="0" smtClean="0"/>
-              <a:t>’3’ min=‘1’ max=‘7’ </a:t>
+              <a:t>=’3’ min=‘1’ max=‘7’ </a:t>
             </a:r>
             <a:r>
               <a:rPr lang="fr-FR" sz="1800" dirty="0" err="1" smtClean="0"/>
@@ -5169,11 +5166,7 @@
             </a:r>
             <a:r>
               <a:rPr lang="fr-FR" sz="1800" dirty="0" smtClean="0"/>
-              <a:t>=‘1’ </a:t>
-            </a:r>
-            <a:r>
-              <a:rPr lang="fr-FR" sz="1800" dirty="0" smtClean="0"/>
-              <a:t>/&gt;</a:t>
+              <a:t>=‘1’ /&gt;</a:t>
             </a:r>
           </a:p>
           <a:p>
@@ -5204,11 +5197,7 @@
             </a:r>
             <a:r>
               <a:rPr lang="fr-FR" sz="1800" dirty="0" smtClean="0"/>
-              <a:t> qui joue le rôle d’une message </a:t>
-            </a:r>
-            <a:r>
-              <a:rPr lang="fr-FR" sz="1800" dirty="0" smtClean="0"/>
-              <a:t>default</a:t>
+              <a:t> qui joue le rôle d’une message default</a:t>
             </a:r>
           </a:p>
           <a:p>
@@ -5225,11 +5214,7 @@
             </a:r>
             <a:r>
               <a:rPr lang="fr-FR" sz="1800" dirty="0" smtClean="0"/>
-              <a:t>&lt;</a:t>
-            </a:r>
-            <a:r>
-              <a:rPr lang="fr-FR" sz="1800" dirty="0" smtClean="0"/>
-              <a:t>input type=‘</a:t>
+              <a:t>&lt;input type=‘</a:t>
             </a:r>
             <a:r>
               <a:rPr lang="fr-FR" sz="1800" dirty="0" err="1" smtClean="0"/>
@@ -5512,15 +5497,7 @@
             </a:r>
             <a:r>
               <a:rPr lang="fr-FR" dirty="0" smtClean="0"/>
-              <a:t> joue </a:t>
-            </a:r>
-            <a:r>
-              <a:rPr lang="fr-FR" dirty="0" smtClean="0"/>
-              <a:t>un</a:t>
-            </a:r>
-            <a:r>
-              <a:rPr lang="fr-FR" dirty="0" smtClean="0"/>
-              <a:t> </a:t>
+              <a:t> joue un </a:t>
             </a:r>
             <a:r>
               <a:rPr lang="fr-FR" dirty="0" err="1" smtClean="0"/>
@@ -5528,15 +5505,7 @@
             </a:r>
             <a:r>
               <a:rPr lang="fr-FR" dirty="0" smtClean="0"/>
-              <a:t> </a:t>
-            </a:r>
-            <a:r>
-              <a:rPr lang="fr-FR" dirty="0" smtClean="0"/>
-              <a:t>comme le </a:t>
-            </a:r>
-            <a:r>
-              <a:rPr lang="fr-FR" dirty="0" smtClean="0"/>
-              <a:t>cookie </a:t>
+              <a:t> comme le cookie </a:t>
             </a:r>
           </a:p>
           <a:p>
@@ -5555,7 +5524,6 @@
               <a:rPr lang="fr-FR" dirty="0" smtClean="0"/>
               <a:t> est définie comme clé valeur ex :    </a:t>
             </a:r>
-            <a:endParaRPr lang="fr-FR" dirty="0" smtClean="0"/>
           </a:p>
           <a:p>
             <a:pPr marL="0" indent="0">
@@ -5599,10 +5567,6 @@
             <a:r>
               <a:rPr lang="en-US" sz="1800" b="1" dirty="0"/>
               <a:t>", "Smith");</a:t>
-            </a:r>
-            <a:r>
-              <a:rPr lang="en-US" sz="1800" b="1" dirty="0"/>
-              <a:t/>
             </a:r>
             <a:br>
               <a:rPr lang="en-US" sz="1800" b="1" dirty="0"/>
@@ -6172,10 +6136,6 @@
               <a:rPr lang="en-US" sz="2000" dirty="0"/>
               <a:t>&gt;</a:t>
             </a:r>
-            <a:r>
-              <a:rPr lang="en-US" sz="2000" dirty="0"/>
-              <a:t/>
-            </a:r>
             <a:br>
               <a:rPr lang="en-US" sz="2000" dirty="0"/>
             </a:br>
@@ -6199,10 +6159,6 @@
               <a:rPr lang="en-US" sz="2000" dirty="0"/>
               <a:t>"&gt;</a:t>
             </a:r>
-            <a:r>
-              <a:rPr lang="en-US" sz="2000" dirty="0"/>
-              <a:t/>
-            </a:r>
             <a:br>
               <a:rPr lang="en-US" sz="2000" dirty="0"/>
             </a:br>
@@ -6218,10 +6174,6 @@
               <a:rPr lang="en-US" sz="2000" dirty="0"/>
               <a:t>="horse.mp3" type="audio/mpeg"&gt;</a:t>
             </a:r>
-            <a:r>
-              <a:rPr lang="en-US" sz="2000" dirty="0"/>
-              <a:t/>
-            </a:r>
             <a:br>
               <a:rPr lang="en-US" sz="2000" dirty="0"/>
             </a:br>
@@ -6229,10 +6181,6 @@
               <a:rPr lang="en-US" sz="2000" dirty="0"/>
               <a:t>Your browser does not support the audio element.</a:t>
             </a:r>
-            <a:r>
-              <a:rPr lang="en-US" sz="2000" dirty="0"/>
-              <a:t/>
-            </a:r>
             <a:br>
               <a:rPr lang="en-US" sz="2000" dirty="0"/>
             </a:br>
@@ -6352,10 +6300,6 @@
               <a:rPr lang="en-US" sz="2000" dirty="0"/>
               <a:t>="movie.mp4" type="video/mp4"&gt;</a:t>
             </a:r>
-            <a:r>
-              <a:rPr lang="en-US" sz="2000" dirty="0"/>
-              <a:t/>
-            </a:r>
             <a:br>
               <a:rPr lang="en-US" sz="2000" dirty="0"/>
             </a:br>
@@ -6379,20 +6323,12 @@
               <a:rPr lang="en-US" sz="2000" dirty="0"/>
               <a:t>"&gt;</a:t>
             </a:r>
-            <a:r>
-              <a:rPr lang="en-US" sz="2000" dirty="0"/>
-              <a:t/>
-            </a:r>
             <a:br>
               <a:rPr lang="en-US" sz="2000" dirty="0"/>
             </a:br>
             <a:r>
               <a:rPr lang="en-US" sz="2000" dirty="0"/>
               <a:t>Your browser does not support the video tag.</a:t>
-            </a:r>
-            <a:r>
-              <a:rPr lang="en-US" sz="2000" dirty="0"/>
-              <a:t/>
             </a:r>
             <a:br>
               <a:rPr lang="en-US" sz="2000" dirty="0"/>
@@ -6569,20 +6505,12 @@
               <a:rPr lang="en-US" sz="1800" dirty="0"/>
               <a:t> width="100" height="100"&gt;</a:t>
             </a:r>
-            <a:r>
-              <a:rPr lang="en-US" sz="1800" dirty="0"/>
-              <a:t/>
-            </a:r>
             <a:br>
               <a:rPr lang="en-US" sz="1800" dirty="0"/>
             </a:br>
             <a:r>
               <a:rPr lang="en-US" sz="1800" dirty="0"/>
               <a:t>  &lt;circle cx="50" cy="50" r="40" stroke="green" stroke-width="4" fill="yellow" /&gt;</a:t>
-            </a:r>
-            <a:r>
-              <a:rPr lang="en-US" sz="1800" dirty="0"/>
-              <a:t/>
             </a:r>
             <a:br>
               <a:rPr lang="en-US" sz="1800" dirty="0"/>
@@ -6617,10 +6545,6 @@
               <a:rPr lang="en-US" sz="1800" dirty="0"/>
               <a:t> width="400" height="100"&gt;</a:t>
             </a:r>
-            <a:r>
-              <a:rPr lang="en-US" sz="1800" dirty="0"/>
-              <a:t/>
-            </a:r>
             <a:br>
               <a:rPr lang="en-US" sz="1800" dirty="0"/>
             </a:br>
@@ -6643,10 +6567,6 @@
             <a:r>
               <a:rPr lang="en-US" sz="1800" dirty="0"/>
               <a:t>(0,0,255);stroke-width:10;stroke:rgb(0,0,0)" /&gt;</a:t>
-            </a:r>
-            <a:r>
-              <a:rPr lang="en-US" sz="1800" dirty="0"/>
-              <a:t/>
             </a:r>
             <a:br>
               <a:rPr lang="en-US" sz="1800" dirty="0"/>

--- a/Presentation Du HTML5 .pptx
+++ b/Presentation Du HTML5 .pptx
@@ -5,7 +5,7 @@
     <p:sldMasterId id="2147483648" r:id="rId1"/>
   </p:sldMasterIdLst>
   <p:notesMasterIdLst>
-    <p:notesMasterId r:id="rId14"/>
+    <p:notesMasterId r:id="rId16"/>
   </p:notesMasterIdLst>
   <p:sldIdLst>
     <p:sldId id="256" r:id="rId2"/>
@@ -20,6 +20,8 @@
     <p:sldId id="266" r:id="rId11"/>
     <p:sldId id="267" r:id="rId12"/>
     <p:sldId id="268" r:id="rId13"/>
+    <p:sldId id="270" r:id="rId14"/>
+    <p:sldId id="269" r:id="rId15"/>
   </p:sldIdLst>
   <p:sldSz cx="12192000" cy="6858000"/>
   <p:notesSz cx="6858000" cy="9144000"/>
@@ -208,7 +210,7 @@
           <a:p>
             <a:fld id="{ADCDA24E-0A6D-4656-8BB2-5019DDFD0A8F}" type="datetimeFigureOut">
               <a:rPr lang="fr-FR" smtClean="0"/>
-              <a:t>13/12/2015</a:t>
+              <a:t>03/01/2016</a:t>
             </a:fld>
             <a:endParaRPr lang="fr-FR"/>
           </a:p>
@@ -560,6 +562,90 @@
 </p:notes>
 </file>
 
+<file path=ppt/notesSlides/notesSlide2.xml><?xml version="1.0" encoding="utf-8"?>
+<p:notes xmlns:a="http://schemas.openxmlformats.org/drawingml/2006/main" xmlns:r="http://schemas.openxmlformats.org/officeDocument/2006/relationships" xmlns:p="http://schemas.openxmlformats.org/presentationml/2006/main">
+  <p:cSld>
+    <p:spTree>
+      <p:nvGrpSpPr>
+        <p:cNvPr id="1" name=""/>
+        <p:cNvGrpSpPr/>
+        <p:nvPr/>
+      </p:nvGrpSpPr>
+      <p:grpSpPr>
+        <a:xfrm>
+          <a:off x="0" y="0"/>
+          <a:ext cx="0" cy="0"/>
+          <a:chOff x="0" y="0"/>
+          <a:chExt cx="0" cy="0"/>
+        </a:xfrm>
+      </p:grpSpPr>
+      <p:sp>
+        <p:nvSpPr>
+          <p:cNvPr id="2" name="Slide Image Placeholder 1"/>
+          <p:cNvSpPr>
+            <a:spLocks noGrp="1" noRot="1" noChangeAspect="1"/>
+          </p:cNvSpPr>
+          <p:nvPr>
+            <p:ph type="sldImg"/>
+          </p:nvPr>
+        </p:nvSpPr>
+        <p:spPr/>
+      </p:sp>
+      <p:sp>
+        <p:nvSpPr>
+          <p:cNvPr id="3" name="Notes Placeholder 2"/>
+          <p:cNvSpPr>
+            <a:spLocks noGrp="1"/>
+          </p:cNvSpPr>
+          <p:nvPr>
+            <p:ph type="body" idx="1"/>
+          </p:nvPr>
+        </p:nvSpPr>
+        <p:spPr/>
+        <p:txBody>
+          <a:bodyPr/>
+          <a:lstStyle/>
+          <a:p>
+            <a:endParaRPr lang="fr-BE" dirty="0"/>
+          </a:p>
+        </p:txBody>
+      </p:sp>
+      <p:sp>
+        <p:nvSpPr>
+          <p:cNvPr id="4" name="Slide Number Placeholder 3"/>
+          <p:cNvSpPr>
+            <a:spLocks noGrp="1"/>
+          </p:cNvSpPr>
+          <p:nvPr>
+            <p:ph type="sldNum" sz="quarter" idx="10"/>
+          </p:nvPr>
+        </p:nvSpPr>
+        <p:spPr/>
+        <p:txBody>
+          <a:bodyPr/>
+          <a:lstStyle/>
+          <a:p>
+            <a:fld id="{09A2CD89-E1C5-47C1-ADE9-FAA4FE62E1A2}" type="slidenum">
+              <a:rPr lang="fr-FR" smtClean="0"/>
+              <a:t>12</a:t>
+            </a:fld>
+            <a:endParaRPr lang="fr-FR"/>
+          </a:p>
+        </p:txBody>
+      </p:sp>
+    </p:spTree>
+    <p:extLst>
+      <p:ext uri="{BB962C8B-B14F-4D97-AF65-F5344CB8AC3E}">
+        <p14:creationId xmlns:p14="http://schemas.microsoft.com/office/powerpoint/2010/main" val="622266672"/>
+      </p:ext>
+    </p:extLst>
+  </p:cSld>
+  <p:clrMapOvr>
+    <a:masterClrMapping/>
+  </p:clrMapOvr>
+</p:notes>
+</file>
+
 <file path=ppt/slideLayouts/slideLayout1.xml><?xml version="1.0" encoding="utf-8"?>
 <p:sldLayout xmlns:a="http://schemas.openxmlformats.org/drawingml/2006/main" xmlns:r="http://schemas.openxmlformats.org/officeDocument/2006/relationships" xmlns:p="http://schemas.openxmlformats.org/presentationml/2006/main" type="title" preserve="1">
   <p:cSld name="Title Slide">
@@ -691,7 +777,7 @@
           <a:p>
             <a:fld id="{D2BFFA84-0004-4E12-8F5A-7C8BBC672390}" type="datetimeFigureOut">
               <a:rPr lang="en-US" smtClean="0"/>
-              <a:t>12/13/2015</a:t>
+              <a:t>1/3/2016</a:t>
             </a:fld>
             <a:endParaRPr lang="en-US"/>
           </a:p>
@@ -861,7 +947,7 @@
           <a:p>
             <a:fld id="{D2BFFA84-0004-4E12-8F5A-7C8BBC672390}" type="datetimeFigureOut">
               <a:rPr lang="en-US" smtClean="0"/>
-              <a:t>12/13/2015</a:t>
+              <a:t>1/3/2016</a:t>
             </a:fld>
             <a:endParaRPr lang="en-US"/>
           </a:p>
@@ -1041,7 +1127,7 @@
           <a:p>
             <a:fld id="{D2BFFA84-0004-4E12-8F5A-7C8BBC672390}" type="datetimeFigureOut">
               <a:rPr lang="en-US" smtClean="0"/>
-              <a:t>12/13/2015</a:t>
+              <a:t>1/3/2016</a:t>
             </a:fld>
             <a:endParaRPr lang="en-US"/>
           </a:p>
@@ -1211,7 +1297,7 @@
           <a:p>
             <a:fld id="{D2BFFA84-0004-4E12-8F5A-7C8BBC672390}" type="datetimeFigureOut">
               <a:rPr lang="en-US" smtClean="0"/>
-              <a:t>12/13/2015</a:t>
+              <a:t>1/3/2016</a:t>
             </a:fld>
             <a:endParaRPr lang="en-US"/>
           </a:p>
@@ -1457,7 +1543,7 @@
           <a:p>
             <a:fld id="{D2BFFA84-0004-4E12-8F5A-7C8BBC672390}" type="datetimeFigureOut">
               <a:rPr lang="en-US" smtClean="0"/>
-              <a:t>12/13/2015</a:t>
+              <a:t>1/3/2016</a:t>
             </a:fld>
             <a:endParaRPr lang="en-US"/>
           </a:p>
@@ -1689,7 +1775,7 @@
           <a:p>
             <a:fld id="{D2BFFA84-0004-4E12-8F5A-7C8BBC672390}" type="datetimeFigureOut">
               <a:rPr lang="en-US" smtClean="0"/>
-              <a:t>12/13/2015</a:t>
+              <a:t>1/3/2016</a:t>
             </a:fld>
             <a:endParaRPr lang="en-US"/>
           </a:p>
@@ -2056,7 +2142,7 @@
           <a:p>
             <a:fld id="{D2BFFA84-0004-4E12-8F5A-7C8BBC672390}" type="datetimeFigureOut">
               <a:rPr lang="en-US" smtClean="0"/>
-              <a:t>12/13/2015</a:t>
+              <a:t>1/3/2016</a:t>
             </a:fld>
             <a:endParaRPr lang="en-US"/>
           </a:p>
@@ -2174,7 +2260,7 @@
           <a:p>
             <a:fld id="{D2BFFA84-0004-4E12-8F5A-7C8BBC672390}" type="datetimeFigureOut">
               <a:rPr lang="en-US" smtClean="0"/>
-              <a:t>12/13/2015</a:t>
+              <a:t>1/3/2016</a:t>
             </a:fld>
             <a:endParaRPr lang="en-US"/>
           </a:p>
@@ -2269,7 +2355,7 @@
           <a:p>
             <a:fld id="{D2BFFA84-0004-4E12-8F5A-7C8BBC672390}" type="datetimeFigureOut">
               <a:rPr lang="en-US" smtClean="0"/>
-              <a:t>12/13/2015</a:t>
+              <a:t>1/3/2016</a:t>
             </a:fld>
             <a:endParaRPr lang="en-US"/>
           </a:p>
@@ -2546,7 +2632,7 @@
           <a:p>
             <a:fld id="{D2BFFA84-0004-4E12-8F5A-7C8BBC672390}" type="datetimeFigureOut">
               <a:rPr lang="en-US" smtClean="0"/>
-              <a:t>12/13/2015</a:t>
+              <a:t>1/3/2016</a:t>
             </a:fld>
             <a:endParaRPr lang="en-US"/>
           </a:p>
@@ -2799,7 +2885,7 @@
           <a:p>
             <a:fld id="{D2BFFA84-0004-4E12-8F5A-7C8BBC672390}" type="datetimeFigureOut">
               <a:rPr lang="en-US" smtClean="0"/>
-              <a:t>12/13/2015</a:t>
+              <a:t>1/3/2016</a:t>
             </a:fld>
             <a:endParaRPr lang="en-US"/>
           </a:p>
@@ -3012,7 +3098,7 @@
           <a:p>
             <a:fld id="{D2BFFA84-0004-4E12-8F5A-7C8BBC672390}" type="datetimeFigureOut">
               <a:rPr lang="en-US" smtClean="0"/>
-              <a:t>12/13/2015</a:t>
+              <a:t>1/3/2016</a:t>
             </a:fld>
             <a:endParaRPr lang="en-US"/>
           </a:p>
@@ -3490,6 +3576,13 @@
   <p:clrMapOvr>
     <a:masterClrMapping/>
   </p:clrMapOvr>
+  <p:timing>
+    <p:tnLst>
+      <p:par>
+        <p:cTn id="1" dur="indefinite" restart="never" nodeType="tmRoot"/>
+      </p:par>
+    </p:tnLst>
+  </p:timing>
 </p:sld>
 </file>
 
@@ -3967,6 +4060,13 @@
   <p:clrMapOvr>
     <a:masterClrMapping/>
   </p:clrMapOvr>
+  <p:timing>
+    <p:tnLst>
+      <p:par>
+        <p:cTn id="1" dur="indefinite" restart="never" nodeType="tmRoot"/>
+      </p:par>
+    </p:tnLst>
+  </p:timing>
 </p:sld>
 </file>
 
@@ -4301,6 +4401,13 @@
   <p:clrMapOvr>
     <a:masterClrMapping/>
   </p:clrMapOvr>
+  <p:timing>
+    <p:tnLst>
+      <p:par>
+        <p:cTn id="1" dur="indefinite" restart="never" nodeType="tmRoot"/>
+      </p:par>
+    </p:tnLst>
+  </p:timing>
 </p:sld>
 </file>
 
@@ -4337,8 +4444,8 @@
           <a:lstStyle/>
           <a:p>
             <a:r>
-              <a:rPr lang="fr-BE" u="sng" dirty="0" smtClean="0"/>
-              <a:t>Web socket</a:t>
+              <a:rPr lang="fr-BE" u="sng" dirty="0" err="1" smtClean="0"/>
+              <a:t>Websocket</a:t>
             </a:r>
             <a:endParaRPr lang="fr-BE" u="sng" dirty="0"/>
           </a:p>
@@ -4359,6 +4466,34 @@
           <a:bodyPr/>
           <a:lstStyle/>
           <a:p>
+            <a:pPr marL="0" indent="0">
+              <a:buNone/>
+            </a:pPr>
+            <a:r>
+              <a:rPr lang="fr-BE" dirty="0" smtClean="0"/>
+              <a:t>Le web socket est une technologie </a:t>
+            </a:r>
+            <a:r>
+              <a:rPr lang="fr-FR" dirty="0" err="1" smtClean="0"/>
+              <a:t>bi-directionnels</a:t>
+            </a:r>
+            <a:r>
+              <a:rPr lang="fr-FR" dirty="0"/>
+              <a:t>, canaux full-duplex de communication, sur une seule (TCP Transmission Control Protocol) prise. Il est conçu pour être mis en œuvre dans les navigateurs Web et des serveurs Web, mais il peut être utilisé par une application client ou </a:t>
+            </a:r>
+            <a:r>
+              <a:rPr lang="fr-FR" dirty="0" smtClean="0"/>
+              <a:t>serveur.</a:t>
+            </a:r>
+          </a:p>
+          <a:p>
+            <a:pPr marL="0" indent="0">
+              <a:buNone/>
+            </a:pPr>
+            <a:r>
+              <a:rPr lang="fr-FR" dirty="0" smtClean="0"/>
+              <a:t>Le web socket sera expliquer en détaille dans le web socket document.</a:t>
+            </a:r>
             <a:endParaRPr lang="fr-BE" dirty="0"/>
           </a:p>
         </p:txBody>
@@ -4373,6 +4508,335 @@
   <p:clrMapOvr>
     <a:masterClrMapping/>
   </p:clrMapOvr>
+  <p:timing>
+    <p:tnLst>
+      <p:par>
+        <p:cTn id="1" dur="indefinite" restart="never" nodeType="tmRoot"/>
+      </p:par>
+    </p:tnLst>
+  </p:timing>
+</p:sld>
+</file>
+
+<file path=ppt/slides/slide13.xml><?xml version="1.0" encoding="utf-8"?>
+<p:sld xmlns:a="http://schemas.openxmlformats.org/drawingml/2006/main" xmlns:r="http://schemas.openxmlformats.org/officeDocument/2006/relationships" xmlns:p="http://schemas.openxmlformats.org/presentationml/2006/main">
+  <p:cSld>
+    <p:spTree>
+      <p:nvGrpSpPr>
+        <p:cNvPr id="1" name=""/>
+        <p:cNvGrpSpPr/>
+        <p:nvPr/>
+      </p:nvGrpSpPr>
+      <p:grpSpPr>
+        <a:xfrm>
+          <a:off x="0" y="0"/>
+          <a:ext cx="0" cy="0"/>
+          <a:chOff x="0" y="0"/>
+          <a:chExt cx="0" cy="0"/>
+        </a:xfrm>
+      </p:grpSpPr>
+      <p:sp>
+        <p:nvSpPr>
+          <p:cNvPr id="2" name="Title 1"/>
+          <p:cNvSpPr>
+            <a:spLocks noGrp="1"/>
+          </p:cNvSpPr>
+          <p:nvPr>
+            <p:ph type="title"/>
+          </p:nvPr>
+        </p:nvSpPr>
+        <p:spPr/>
+        <p:txBody>
+          <a:bodyPr/>
+          <a:lstStyle/>
+          <a:p>
+            <a:r>
+              <a:rPr lang="fr-BE" u="sng" dirty="0" smtClean="0"/>
+              <a:t>Les </a:t>
+            </a:r>
+            <a:r>
+              <a:rPr lang="fr-BE" u="sng" dirty="0" err="1" smtClean="0"/>
+              <a:t>Demos</a:t>
+            </a:r>
+            <a:endParaRPr lang="fr-BE" u="sng" dirty="0"/>
+          </a:p>
+        </p:txBody>
+      </p:sp>
+      <p:sp>
+        <p:nvSpPr>
+          <p:cNvPr id="3" name="Content Placeholder 2"/>
+          <p:cNvSpPr>
+            <a:spLocks noGrp="1"/>
+          </p:cNvSpPr>
+          <p:nvPr>
+            <p:ph idx="1"/>
+          </p:nvPr>
+        </p:nvSpPr>
+        <p:spPr/>
+        <p:txBody>
+          <a:bodyPr/>
+          <a:lstStyle/>
+          <a:p>
+            <a:pPr marL="0" indent="0">
+              <a:buNone/>
+            </a:pPr>
+            <a:r>
+              <a:rPr lang="fr-BE" dirty="0" smtClean="0"/>
+              <a:t>Mes </a:t>
+            </a:r>
+            <a:r>
+              <a:rPr lang="fr-BE" dirty="0" err="1" smtClean="0"/>
+              <a:t>demo</a:t>
+            </a:r>
+            <a:r>
+              <a:rPr lang="fr-BE" dirty="0" smtClean="0"/>
+              <a:t> consiste a : </a:t>
+            </a:r>
+          </a:p>
+          <a:p>
+            <a:r>
+              <a:rPr lang="fr-BE" dirty="0" smtClean="0"/>
+              <a:t>Expliquer comment le </a:t>
+            </a:r>
+            <a:r>
+              <a:rPr lang="fr-BE" dirty="0" err="1" smtClean="0"/>
+              <a:t>websocket</a:t>
+            </a:r>
+            <a:r>
+              <a:rPr lang="fr-BE" dirty="0" smtClean="0"/>
+              <a:t> travaille </a:t>
+            </a:r>
+          </a:p>
+          <a:p>
+            <a:r>
+              <a:rPr lang="fr-BE" dirty="0" err="1" smtClean="0"/>
+              <a:t>Example</a:t>
+            </a:r>
+            <a:r>
+              <a:rPr lang="fr-BE" dirty="0" smtClean="0"/>
+              <a:t> en C# d’un </a:t>
+            </a:r>
+            <a:r>
+              <a:rPr lang="fr-BE" dirty="0" err="1" smtClean="0"/>
+              <a:t>websocket</a:t>
+            </a:r>
+            <a:r>
+              <a:rPr lang="fr-BE" dirty="0" smtClean="0"/>
+              <a:t> server et </a:t>
+            </a:r>
+            <a:r>
+              <a:rPr lang="fr-BE" dirty="0" err="1" smtClean="0"/>
+              <a:t>websocket</a:t>
+            </a:r>
+            <a:r>
+              <a:rPr lang="fr-BE" dirty="0" smtClean="0"/>
+              <a:t> client ( le </a:t>
+            </a:r>
+            <a:r>
+              <a:rPr lang="fr-BE" dirty="0" err="1" smtClean="0"/>
+              <a:t>demo</a:t>
+            </a:r>
+            <a:r>
+              <a:rPr lang="fr-BE" dirty="0" smtClean="0"/>
+              <a:t> sera un </a:t>
+            </a:r>
+            <a:r>
+              <a:rPr lang="fr-BE" dirty="0" err="1" smtClean="0"/>
+              <a:t>example</a:t>
+            </a:r>
+            <a:r>
+              <a:rPr lang="fr-BE" dirty="0" smtClean="0"/>
+              <a:t> d’un </a:t>
+            </a:r>
+            <a:r>
+              <a:rPr lang="fr-BE" dirty="0" err="1" smtClean="0"/>
+              <a:t>echo</a:t>
+            </a:r>
+            <a:r>
+              <a:rPr lang="fr-BE" dirty="0" smtClean="0"/>
+              <a:t> system )</a:t>
+            </a:r>
+          </a:p>
+          <a:p>
+            <a:r>
+              <a:rPr lang="fr-BE" dirty="0" smtClean="0"/>
+              <a:t>Explication du </a:t>
+            </a:r>
+            <a:r>
+              <a:rPr lang="fr-BE" dirty="0" err="1" smtClean="0"/>
+              <a:t>Signalr</a:t>
+            </a:r>
+            <a:r>
+              <a:rPr lang="fr-BE" dirty="0" smtClean="0"/>
+              <a:t> qui est un Framework dans asp.net spécialiser purement pour les  site temps réels ( l’</a:t>
+            </a:r>
+            <a:r>
+              <a:rPr lang="fr-BE" dirty="0" err="1" smtClean="0"/>
+              <a:t>example</a:t>
+            </a:r>
+            <a:r>
+              <a:rPr lang="fr-BE" dirty="0" smtClean="0"/>
+              <a:t> sera un </a:t>
+            </a:r>
+            <a:r>
+              <a:rPr lang="fr-BE" dirty="0" err="1" smtClean="0"/>
+              <a:t>example</a:t>
+            </a:r>
+            <a:r>
+              <a:rPr lang="fr-BE" dirty="0" smtClean="0"/>
+              <a:t> d’un chat )    </a:t>
+            </a:r>
+          </a:p>
+          <a:p>
+            <a:r>
+              <a:rPr lang="fr-BE" dirty="0" smtClean="0"/>
+              <a:t>Explication d’</a:t>
+            </a:r>
+            <a:r>
+              <a:rPr lang="fr-BE" dirty="0" err="1" smtClean="0"/>
+              <a:t>element</a:t>
+            </a:r>
+            <a:r>
+              <a:rPr lang="fr-BE" dirty="0" smtClean="0"/>
+              <a:t> </a:t>
+            </a:r>
+            <a:r>
+              <a:rPr lang="fr-BE" dirty="0" err="1" smtClean="0"/>
+              <a:t>canvas</a:t>
+            </a:r>
+            <a:r>
+              <a:rPr lang="fr-BE" smtClean="0"/>
+              <a:t> du HTML5</a:t>
+            </a:r>
+            <a:endParaRPr lang="fr-BE" dirty="0" smtClean="0"/>
+          </a:p>
+          <a:p>
+            <a:r>
+              <a:rPr lang="fr-BE" dirty="0" err="1" smtClean="0"/>
+              <a:t>Example</a:t>
+            </a:r>
+            <a:r>
+              <a:rPr lang="fr-BE" dirty="0" smtClean="0"/>
+              <a:t> d’un jeu sur </a:t>
+            </a:r>
+            <a:r>
+              <a:rPr lang="fr-BE" dirty="0" err="1" smtClean="0"/>
+              <a:t>canvas</a:t>
+            </a:r>
+            <a:r>
+              <a:rPr lang="fr-BE" dirty="0" smtClean="0"/>
+              <a:t> en utilisant phaser.js et box2d.js</a:t>
+            </a:r>
+            <a:endParaRPr lang="fr-BE" dirty="0"/>
+          </a:p>
+        </p:txBody>
+      </p:sp>
+    </p:spTree>
+    <p:extLst>
+      <p:ext uri="{BB962C8B-B14F-4D97-AF65-F5344CB8AC3E}">
+        <p14:creationId xmlns:p14="http://schemas.microsoft.com/office/powerpoint/2010/main" val="3994360088"/>
+      </p:ext>
+    </p:extLst>
+  </p:cSld>
+  <p:clrMapOvr>
+    <a:masterClrMapping/>
+  </p:clrMapOvr>
+</p:sld>
+</file>
+
+<file path=ppt/slides/slide14.xml><?xml version="1.0" encoding="utf-8"?>
+<p:sld xmlns:a="http://schemas.openxmlformats.org/drawingml/2006/main" xmlns:r="http://schemas.openxmlformats.org/officeDocument/2006/relationships" xmlns:p="http://schemas.openxmlformats.org/presentationml/2006/main">
+  <p:cSld>
+    <p:spTree>
+      <p:nvGrpSpPr>
+        <p:cNvPr id="1" name=""/>
+        <p:cNvGrpSpPr/>
+        <p:nvPr/>
+      </p:nvGrpSpPr>
+      <p:grpSpPr>
+        <a:xfrm>
+          <a:off x="0" y="0"/>
+          <a:ext cx="0" cy="0"/>
+          <a:chOff x="0" y="0"/>
+          <a:chExt cx="0" cy="0"/>
+        </a:xfrm>
+      </p:grpSpPr>
+      <p:sp>
+        <p:nvSpPr>
+          <p:cNvPr id="2" name="Title 1"/>
+          <p:cNvSpPr>
+            <a:spLocks noGrp="1"/>
+          </p:cNvSpPr>
+          <p:nvPr>
+            <p:ph type="title"/>
+          </p:nvPr>
+        </p:nvSpPr>
+        <p:spPr/>
+        <p:txBody>
+          <a:bodyPr/>
+          <a:lstStyle/>
+          <a:p>
+            <a:endParaRPr lang="fr-BE"/>
+          </a:p>
+        </p:txBody>
+      </p:sp>
+      <p:sp>
+        <p:nvSpPr>
+          <p:cNvPr id="3" name="Content Placeholder 2"/>
+          <p:cNvSpPr>
+            <a:spLocks noGrp="1"/>
+          </p:cNvSpPr>
+          <p:nvPr>
+            <p:ph idx="1"/>
+          </p:nvPr>
+        </p:nvSpPr>
+        <p:spPr/>
+        <p:txBody>
+          <a:bodyPr>
+            <a:normAutofit/>
+          </a:bodyPr>
+          <a:lstStyle/>
+          <a:p>
+            <a:pPr marL="0" indent="0" algn="ctr">
+              <a:buNone/>
+            </a:pPr>
+            <a:endParaRPr lang="fr-BE" sz="4800" dirty="0"/>
+          </a:p>
+          <a:p>
+            <a:pPr marL="0" indent="0" algn="ctr">
+              <a:buNone/>
+            </a:pPr>
+            <a:endParaRPr lang="fr-BE" sz="4800" dirty="0" smtClean="0"/>
+          </a:p>
+          <a:p>
+            <a:pPr marL="0" indent="0" algn="ctr">
+              <a:buNone/>
+            </a:pPr>
+            <a:r>
+              <a:rPr lang="fr-BE" sz="6800" dirty="0" smtClean="0"/>
+              <a:t>Merci</a:t>
+            </a:r>
+            <a:endParaRPr lang="fr-BE" sz="6800" dirty="0"/>
+          </a:p>
+        </p:txBody>
+      </p:sp>
+    </p:spTree>
+    <p:extLst>
+      <p:ext uri="{BB962C8B-B14F-4D97-AF65-F5344CB8AC3E}">
+        <p14:creationId xmlns:p14="http://schemas.microsoft.com/office/powerpoint/2010/main" val="3196433444"/>
+      </p:ext>
+    </p:extLst>
+  </p:cSld>
+  <p:clrMapOvr>
+    <a:masterClrMapping/>
+  </p:clrMapOvr>
+  <p:timing>
+    <p:tnLst>
+      <p:par>
+        <p:cTn id="1" dur="indefinite" restart="never" nodeType="tmRoot"/>
+      </p:par>
+    </p:tnLst>
+  </p:timing>
 </p:sld>
 </file>
 
@@ -4581,6 +5045,13 @@
   <p:clrMapOvr>
     <a:masterClrMapping/>
   </p:clrMapOvr>
+  <p:timing>
+    <p:tnLst>
+      <p:par>
+        <p:cTn id="1" dur="indefinite" restart="never" nodeType="tmRoot"/>
+      </p:par>
+    </p:tnLst>
+  </p:timing>
 </p:sld>
 </file>
 
@@ -4840,6 +5311,13 @@
   <p:clrMapOvr>
     <a:masterClrMapping/>
   </p:clrMapOvr>
+  <p:timing>
+    <p:tnLst>
+      <p:par>
+        <p:cTn id="1" dur="indefinite" restart="never" nodeType="tmRoot"/>
+      </p:par>
+    </p:tnLst>
+  </p:timing>
 </p:sld>
 </file>
 
@@ -5011,6 +5489,13 @@
   <p:clrMapOvr>
     <a:masterClrMapping/>
   </p:clrMapOvr>
+  <p:timing>
+    <p:tnLst>
+      <p:par>
+        <p:cTn id="1" dur="indefinite" restart="never" nodeType="tmRoot"/>
+      </p:par>
+    </p:tnLst>
+  </p:timing>
 </p:sld>
 </file>
 
@@ -5378,6 +5863,13 @@
   <p:clrMapOvr>
     <a:masterClrMapping/>
   </p:clrMapOvr>
+  <p:timing>
+    <p:tnLst>
+      <p:par>
+        <p:cTn id="1" dur="indefinite" restart="never" nodeType="tmRoot"/>
+      </p:par>
+    </p:tnLst>
+  </p:timing>
 </p:sld>
 </file>
 
@@ -5674,6 +6166,13 @@
   <p:clrMapOvr>
     <a:masterClrMapping/>
   </p:clrMapOvr>
+  <p:timing>
+    <p:tnLst>
+      <p:par>
+        <p:cTn id="1" dur="indefinite" restart="never" nodeType="tmRoot"/>
+      </p:par>
+    </p:tnLst>
+  </p:timing>
 </p:sld>
 </file>
 
@@ -6036,6 +6535,13 @@
   <p:clrMapOvr>
     <a:masterClrMapping/>
   </p:clrMapOvr>
+  <p:timing>
+    <p:tnLst>
+      <p:par>
+        <p:cTn id="1" dur="indefinite" restart="never" nodeType="tmRoot"/>
+      </p:par>
+    </p:tnLst>
+  </p:timing>
 </p:sld>
 </file>
 
@@ -6360,6 +6866,13 @@
   <p:clrMapOvr>
     <a:masterClrMapping/>
   </p:clrMapOvr>
+  <p:timing>
+    <p:tnLst>
+      <p:par>
+        <p:cTn id="1" dur="indefinite" restart="never" nodeType="tmRoot"/>
+      </p:par>
+    </p:tnLst>
+  </p:timing>
 </p:sld>
 </file>
 
@@ -6603,6 +7116,13 @@
   <p:clrMapOvr>
     <a:masterClrMapping/>
   </p:clrMapOvr>
+  <p:timing>
+    <p:tnLst>
+      <p:par>
+        <p:cTn id="1" dur="indefinite" restart="never" nodeType="tmRoot"/>
+      </p:par>
+    </p:tnLst>
+  </p:timing>
 </p:sld>
 </file>
 
